--- a/Slides/Ordenação Counting Sort.pptx
+++ b/Slides/Ordenação Counting Sort.pptx
@@ -5,18 +5,28 @@
     <p:sldMasterId id="2147483648" r:id="rId1"/>
   </p:sldMasterIdLst>
   <p:notesMasterIdLst>
-    <p:notesMasterId r:id="rId6"/>
+    <p:notesMasterId r:id="rId16"/>
   </p:notesMasterIdLst>
   <p:handoutMasterIdLst>
-    <p:handoutMasterId r:id="rId7"/>
+    <p:handoutMasterId r:id="rId17"/>
   </p:handoutMasterIdLst>
   <p:sldIdLst>
     <p:sldId id="256" r:id="rId2"/>
     <p:sldId id="257" r:id="rId3"/>
     <p:sldId id="258" r:id="rId4"/>
-    <p:sldId id="259" r:id="rId5"/>
+    <p:sldId id="260" r:id="rId5"/>
+    <p:sldId id="261" r:id="rId6"/>
+    <p:sldId id="262" r:id="rId7"/>
+    <p:sldId id="263" r:id="rId8"/>
+    <p:sldId id="264" r:id="rId9"/>
+    <p:sldId id="265" r:id="rId10"/>
+    <p:sldId id="266" r:id="rId11"/>
+    <p:sldId id="267" r:id="rId12"/>
+    <p:sldId id="259" r:id="rId13"/>
+    <p:sldId id="268" r:id="rId14"/>
+    <p:sldId id="269" r:id="rId15"/>
   </p:sldIdLst>
-  <p:sldSz cx="10080625" cy="5670550" type="screen4x3"/>
+  <p:sldSz cx="10080625" cy="5670550"/>
   <p:notesSz cx="7559675" cy="10691813"/>
   <p:defaultTextStyle>
     <a:defPPr>
@@ -113,6 +123,22 @@
       </a:defRPr>
     </a:lvl9pPr>
   </p:defaultTextStyle>
+  <p:extLst>
+    <p:ext uri="{EFAFB233-063F-42B5-8137-9DF3F51BA10A}">
+      <p15:sldGuideLst xmlns:p15="http://schemas.microsoft.com/office/powerpoint/2012/main">
+        <p15:guide id="1" orient="horz" pos="1786" userDrawn="1">
+          <p15:clr>
+            <a:srgbClr val="A4A3A4"/>
+          </p15:clr>
+        </p15:guide>
+        <p15:guide id="2" pos="3176" userDrawn="1">
+          <p15:clr>
+            <a:srgbClr val="A4A3A4"/>
+          </p15:clr>
+        </p15:guide>
+      </p15:sldGuideLst>
+    </p:ext>
+  </p:extLst>
 </p:presentation>
 </file>
 
@@ -395,8 +421,8 @@
         </p:nvSpPr>
         <p:spPr>
           <a:xfrm>
-            <a:off x="1107000" y="812520"/>
-            <a:ext cx="5345280" cy="4008959"/>
+            <a:off x="217488" y="812800"/>
+            <a:ext cx="7123112" cy="4008438"/>
           </a:xfrm>
           <a:prstGeom prst="rect">
             <a:avLst/>
@@ -785,6 +811,91 @@
 </p:notes>
 </file>
 
+<file path=ppt/notesSlides/notesSlide2.xml><?xml version="1.0" encoding="utf-8"?>
+<p:notes xmlns:a="http://schemas.openxmlformats.org/drawingml/2006/main" xmlns:r="http://schemas.openxmlformats.org/officeDocument/2006/relationships" xmlns:p="http://schemas.openxmlformats.org/presentationml/2006/main">
+  <p:cSld>
+    <p:spTree>
+      <p:nvGrpSpPr>
+        <p:cNvPr id="1" name=""/>
+        <p:cNvGrpSpPr/>
+        <p:nvPr/>
+      </p:nvGrpSpPr>
+      <p:grpSpPr>
+        <a:xfrm>
+          <a:off x="0" y="0"/>
+          <a:ext cx="0" cy="0"/>
+          <a:chOff x="0" y="0"/>
+          <a:chExt cx="0" cy="0"/>
+        </a:xfrm>
+      </p:grpSpPr>
+      <p:sp>
+        <p:nvSpPr>
+          <p:cNvPr id="2" name="Espaço Reservado para Imagem de Slide 1"/>
+          <p:cNvSpPr>
+            <a:spLocks noGrp="1" noRot="1" noChangeAspect="1"/>
+          </p:cNvSpPr>
+          <p:nvPr>
+            <p:ph type="sldImg"/>
+          </p:nvPr>
+        </p:nvSpPr>
+        <p:spPr/>
+      </p:sp>
+      <p:sp>
+        <p:nvSpPr>
+          <p:cNvPr id="3" name="Espaço Reservado para Anotações 2"/>
+          <p:cNvSpPr>
+            <a:spLocks noGrp="1"/>
+          </p:cNvSpPr>
+          <p:nvPr>
+            <p:ph type="body" idx="1"/>
+          </p:nvPr>
+        </p:nvSpPr>
+        <p:spPr/>
+        <p:txBody>
+          <a:bodyPr/>
+          <a:lstStyle/>
+          <a:p>
+            <a:endParaRPr lang="pt-BR" dirty="0"/>
+          </a:p>
+        </p:txBody>
+      </p:sp>
+      <p:sp>
+        <p:nvSpPr>
+          <p:cNvPr id="4" name="Espaço Reservado para Número de Slide 3"/>
+          <p:cNvSpPr>
+            <a:spLocks noGrp="1"/>
+          </p:cNvSpPr>
+          <p:nvPr>
+            <p:ph type="sldNum" sz="quarter" idx="10"/>
+          </p:nvPr>
+        </p:nvSpPr>
+        <p:spPr/>
+        <p:txBody>
+          <a:bodyPr/>
+          <a:lstStyle/>
+          <a:p>
+            <a:pPr lvl="0"/>
+            <a:fld id="{B633A345-BDB9-4692-8738-C1CB1AC1AEB0}" type="slidenum">
+              <a:rPr lang="pt-BR" smtClean="0"/>
+              <a:t>2</a:t>
+            </a:fld>
+            <a:endParaRPr lang="pt-BR"/>
+          </a:p>
+        </p:txBody>
+      </p:sp>
+    </p:spTree>
+    <p:extLst>
+      <p:ext uri="{BB962C8B-B14F-4D97-AF65-F5344CB8AC3E}">
+        <p14:creationId xmlns:p14="http://schemas.microsoft.com/office/powerpoint/2010/main" val="548733117"/>
+      </p:ext>
+    </p:extLst>
+  </p:cSld>
+  <p:clrMapOvr>
+    <a:masterClrMapping/>
+  </p:clrMapOvr>
+</p:notes>
+</file>
+
 <file path=ppt/slideLayouts/slideLayout1.xml><?xml version="1.0" encoding="utf-8"?>
 <p:sldLayout xmlns:a="http://schemas.openxmlformats.org/drawingml/2006/main" xmlns:r="http://schemas.openxmlformats.org/officeDocument/2006/relationships" xmlns:p="http://schemas.openxmlformats.org/presentationml/2006/main" type="title" preserve="1">
   <p:cSld name="Slide de título">
@@ -814,7 +925,7 @@
         </p:nvSpPr>
         <p:spPr>
           <a:xfrm>
-            <a:off x="755650" y="1762125"/>
+            <a:off x="755653" y="1762125"/>
             <a:ext cx="8569325" cy="1214438"/>
           </a:xfrm>
         </p:spPr>
@@ -859,7 +970,7 @@
                 </a:solidFill>
               </a:defRPr>
             </a:lvl1pPr>
-            <a:lvl2pPr marL="457200" indent="0" algn="ctr">
+            <a:lvl2pPr marL="457216" indent="0" algn="ctr">
               <a:buNone/>
               <a:defRPr>
                 <a:solidFill>
@@ -869,7 +980,7 @@
                 </a:solidFill>
               </a:defRPr>
             </a:lvl2pPr>
-            <a:lvl3pPr marL="914400" indent="0" algn="ctr">
+            <a:lvl3pPr marL="914430" indent="0" algn="ctr">
               <a:buNone/>
               <a:defRPr>
                 <a:solidFill>
@@ -879,7 +990,7 @@
                 </a:solidFill>
               </a:defRPr>
             </a:lvl3pPr>
-            <a:lvl4pPr marL="1371600" indent="0" algn="ctr">
+            <a:lvl4pPr marL="1371645" indent="0" algn="ctr">
               <a:buNone/>
               <a:defRPr>
                 <a:solidFill>
@@ -889,7 +1000,7 @@
                 </a:solidFill>
               </a:defRPr>
             </a:lvl4pPr>
-            <a:lvl5pPr marL="1828800" indent="0" algn="ctr">
+            <a:lvl5pPr marL="1828861" indent="0" algn="ctr">
               <a:buNone/>
               <a:defRPr>
                 <a:solidFill>
@@ -899,7 +1010,7 @@
                 </a:solidFill>
               </a:defRPr>
             </a:lvl5pPr>
-            <a:lvl6pPr marL="2286000" indent="0" algn="ctr">
+            <a:lvl6pPr marL="2286077" indent="0" algn="ctr">
               <a:buNone/>
               <a:defRPr>
                 <a:solidFill>
@@ -909,7 +1020,7 @@
                 </a:solidFill>
               </a:defRPr>
             </a:lvl6pPr>
-            <a:lvl7pPr marL="2743200" indent="0" algn="ctr">
+            <a:lvl7pPr marL="2743291" indent="0" algn="ctr">
               <a:buNone/>
               <a:defRPr>
                 <a:solidFill>
@@ -919,7 +1030,7 @@
                 </a:solidFill>
               </a:defRPr>
             </a:lvl7pPr>
-            <a:lvl8pPr marL="3200400" indent="0" algn="ctr">
+            <a:lvl8pPr marL="3200507" indent="0" algn="ctr">
               <a:buNone/>
               <a:defRPr>
                 <a:solidFill>
@@ -929,7 +1040,7 @@
                 </a:solidFill>
               </a:defRPr>
             </a:lvl8pPr>
-            <a:lvl9pPr marL="3657600" indent="0" algn="ctr">
+            <a:lvl9pPr marL="3657722" indent="0" algn="ctr">
               <a:buNone/>
               <a:defRPr>
                 <a:solidFill>
@@ -1022,11 +1133,11 @@
   <p:clrMapOvr>
     <a:masterClrMapping/>
   </p:clrMapOvr>
-  <mc:AlternateContent xmlns:mc="http://schemas.openxmlformats.org/markup-compatibility/2006">
-    <mc:Choice xmlns:p14="http://schemas.microsoft.com/office/powerpoint/2010/main" Requires="p14">
+  <mc:AlternateContent xmlns:mc="http://schemas.openxmlformats.org/markup-compatibility/2006" xmlns:p14="http://schemas.microsoft.com/office/powerpoint/2010/main">
+    <mc:Choice Requires="p14">
       <p:transition spd="slow" p14:dur="2000"/>
     </mc:Choice>
-    <mc:Fallback>
+    <mc:Fallback xmlns="">
       <p:transition spd="slow"/>
     </mc:Fallback>
   </mc:AlternateContent>
@@ -1198,11 +1309,11 @@
   <p:clrMapOvr>
     <a:masterClrMapping/>
   </p:clrMapOvr>
-  <mc:AlternateContent xmlns:mc="http://schemas.openxmlformats.org/markup-compatibility/2006">
-    <mc:Choice xmlns:p14="http://schemas.microsoft.com/office/powerpoint/2010/main" Requires="p14">
+  <mc:AlternateContent xmlns:mc="http://schemas.openxmlformats.org/markup-compatibility/2006" xmlns:p14="http://schemas.microsoft.com/office/powerpoint/2010/main">
+    <mc:Choice Requires="p14">
       <p:transition spd="slow" p14:dur="2000"/>
     </mc:Choice>
-    <mc:Fallback>
+    <mc:Fallback xmlns="">
       <p:transition spd="slow"/>
     </mc:Fallback>
   </mc:AlternateContent>
@@ -1238,7 +1349,7 @@
         </p:nvSpPr>
         <p:spPr>
           <a:xfrm>
-            <a:off x="7505700" y="225425"/>
+            <a:off x="7505699" y="225431"/>
             <a:ext cx="2070100" cy="4938713"/>
           </a:xfrm>
         </p:spPr>
@@ -1266,7 +1377,7 @@
         </p:nvSpPr>
         <p:spPr>
           <a:xfrm>
-            <a:off x="1295400" y="225425"/>
+            <a:off x="1295400" y="225431"/>
             <a:ext cx="6057900" cy="4938713"/>
           </a:xfrm>
         </p:spPr>
@@ -1384,11 +1495,11 @@
   <p:clrMapOvr>
     <a:masterClrMapping/>
   </p:clrMapOvr>
-  <mc:AlternateContent xmlns:mc="http://schemas.openxmlformats.org/markup-compatibility/2006">
-    <mc:Choice xmlns:p14="http://schemas.microsoft.com/office/powerpoint/2010/main" Requires="p14">
+  <mc:AlternateContent xmlns:mc="http://schemas.openxmlformats.org/markup-compatibility/2006" xmlns:p14="http://schemas.microsoft.com/office/powerpoint/2010/main">
+    <mc:Choice Requires="p14">
       <p:transition spd="slow" p14:dur="2000"/>
     </mc:Choice>
-    <mc:Fallback>
+    <mc:Fallback xmlns="">
       <p:transition spd="slow"/>
     </mc:Fallback>
   </mc:AlternateContent>
@@ -1560,11 +1671,11 @@
   <p:clrMapOvr>
     <a:masterClrMapping/>
   </p:clrMapOvr>
-  <mc:AlternateContent xmlns:mc="http://schemas.openxmlformats.org/markup-compatibility/2006">
-    <mc:Choice xmlns:p14="http://schemas.microsoft.com/office/powerpoint/2010/main" Requires="p14">
+  <mc:AlternateContent xmlns:mc="http://schemas.openxmlformats.org/markup-compatibility/2006" xmlns:p14="http://schemas.microsoft.com/office/powerpoint/2010/main">
+    <mc:Choice Requires="p14">
       <p:transition spd="slow" p14:dur="2000"/>
     </mc:Choice>
-    <mc:Fallback>
+    <mc:Fallback xmlns="">
       <p:transition spd="slow"/>
     </mc:Fallback>
   </mc:AlternateContent>
@@ -1600,8 +1711,8 @@
         </p:nvSpPr>
         <p:spPr>
           <a:xfrm>
-            <a:off x="796925" y="3643313"/>
-            <a:ext cx="8567738" cy="1127125"/>
+            <a:off x="796927" y="3643319"/>
+            <a:ext cx="8567739" cy="1127125"/>
           </a:xfrm>
         </p:spPr>
         <p:txBody>
@@ -1632,8 +1743,8 @@
         </p:nvSpPr>
         <p:spPr>
           <a:xfrm>
-            <a:off x="796925" y="2403475"/>
-            <a:ext cx="8567738" cy="1239838"/>
+            <a:off x="796927" y="2403475"/>
+            <a:ext cx="8567739" cy="1239838"/>
           </a:xfrm>
         </p:spPr>
         <p:txBody>
@@ -1649,7 +1760,7 @@
                 </a:solidFill>
               </a:defRPr>
             </a:lvl1pPr>
-            <a:lvl2pPr marL="457200" indent="0">
+            <a:lvl2pPr marL="457216" indent="0">
               <a:buNone/>
               <a:defRPr sz="1800">
                 <a:solidFill>
@@ -1659,7 +1770,7 @@
                 </a:solidFill>
               </a:defRPr>
             </a:lvl2pPr>
-            <a:lvl3pPr marL="914400" indent="0">
+            <a:lvl3pPr marL="914430" indent="0">
               <a:buNone/>
               <a:defRPr sz="1600">
                 <a:solidFill>
@@ -1669,7 +1780,7 @@
                 </a:solidFill>
               </a:defRPr>
             </a:lvl3pPr>
-            <a:lvl4pPr marL="1371600" indent="0">
+            <a:lvl4pPr marL="1371645" indent="0">
               <a:buNone/>
               <a:defRPr sz="1400">
                 <a:solidFill>
@@ -1679,7 +1790,7 @@
                 </a:solidFill>
               </a:defRPr>
             </a:lvl4pPr>
-            <a:lvl5pPr marL="1828800" indent="0">
+            <a:lvl5pPr marL="1828861" indent="0">
               <a:buNone/>
               <a:defRPr sz="1400">
                 <a:solidFill>
@@ -1689,7 +1800,7 @@
                 </a:solidFill>
               </a:defRPr>
             </a:lvl5pPr>
-            <a:lvl6pPr marL="2286000" indent="0">
+            <a:lvl6pPr marL="2286077" indent="0">
               <a:buNone/>
               <a:defRPr sz="1400">
                 <a:solidFill>
@@ -1699,7 +1810,7 @@
                 </a:solidFill>
               </a:defRPr>
             </a:lvl6pPr>
-            <a:lvl7pPr marL="2743200" indent="0">
+            <a:lvl7pPr marL="2743291" indent="0">
               <a:buNone/>
               <a:defRPr sz="1400">
                 <a:solidFill>
@@ -1709,7 +1820,7 @@
                 </a:solidFill>
               </a:defRPr>
             </a:lvl7pPr>
-            <a:lvl8pPr marL="3200400" indent="0">
+            <a:lvl8pPr marL="3200507" indent="0">
               <a:buNone/>
               <a:defRPr sz="1400">
                 <a:solidFill>
@@ -1719,7 +1830,7 @@
                 </a:solidFill>
               </a:defRPr>
             </a:lvl8pPr>
-            <a:lvl9pPr marL="3657600" indent="0">
+            <a:lvl9pPr marL="3657722" indent="0">
               <a:buNone/>
               <a:defRPr sz="1400">
                 <a:solidFill>
@@ -1812,11 +1923,11 @@
   <p:clrMapOvr>
     <a:masterClrMapping/>
   </p:clrMapOvr>
-  <mc:AlternateContent xmlns:mc="http://schemas.openxmlformats.org/markup-compatibility/2006">
-    <mc:Choice xmlns:p14="http://schemas.microsoft.com/office/powerpoint/2010/main" Requires="p14">
+  <mc:AlternateContent xmlns:mc="http://schemas.openxmlformats.org/markup-compatibility/2006" xmlns:p14="http://schemas.microsoft.com/office/powerpoint/2010/main">
+    <mc:Choice Requires="p14">
       <p:transition spd="slow" p14:dur="2000"/>
     </mc:Choice>
-    <mc:Fallback>
+    <mc:Fallback xmlns="">
       <p:transition spd="slow"/>
     </mc:Fallback>
   </mc:AlternateContent>
@@ -1875,7 +1986,7 @@
         </p:nvSpPr>
         <p:spPr>
           <a:xfrm>
-            <a:off x="1295400" y="1325563"/>
+            <a:off x="1295400" y="1325569"/>
             <a:ext cx="4064000" cy="3838575"/>
           </a:xfrm>
         </p:spPr>
@@ -1960,7 +2071,7 @@
         </p:nvSpPr>
         <p:spPr>
           <a:xfrm>
-            <a:off x="5511800" y="1325563"/>
+            <a:off x="5511800" y="1325569"/>
             <a:ext cx="4064000" cy="3838575"/>
           </a:xfrm>
         </p:spPr>
@@ -2106,11 +2217,11 @@
   <p:clrMapOvr>
     <a:masterClrMapping/>
   </p:clrMapOvr>
-  <mc:AlternateContent xmlns:mc="http://schemas.openxmlformats.org/markup-compatibility/2006">
-    <mc:Choice xmlns:p14="http://schemas.microsoft.com/office/powerpoint/2010/main" Requires="p14">
+  <mc:AlternateContent xmlns:mc="http://schemas.openxmlformats.org/markup-compatibility/2006" xmlns:p14="http://schemas.microsoft.com/office/powerpoint/2010/main">
+    <mc:Choice Requires="p14">
       <p:transition spd="slow" p14:dur="2000"/>
     </mc:Choice>
-    <mc:Fallback>
+    <mc:Fallback xmlns="">
       <p:transition spd="slow"/>
     </mc:Fallback>
   </mc:AlternateContent>
@@ -2146,7 +2257,7 @@
         </p:nvSpPr>
         <p:spPr>
           <a:xfrm>
-            <a:off x="504825" y="227013"/>
+            <a:off x="504829" y="227013"/>
             <a:ext cx="9072563" cy="944562"/>
           </a:xfrm>
         </p:spPr>
@@ -2189,35 +2300,35 @@
               <a:buNone/>
               <a:defRPr sz="2400" b="1"/>
             </a:lvl1pPr>
-            <a:lvl2pPr marL="457200" indent="0">
+            <a:lvl2pPr marL="457216" indent="0">
               <a:buNone/>
               <a:defRPr sz="2000" b="1"/>
             </a:lvl2pPr>
-            <a:lvl3pPr marL="914400" indent="0">
+            <a:lvl3pPr marL="914430" indent="0">
               <a:buNone/>
               <a:defRPr sz="1800" b="1"/>
             </a:lvl3pPr>
-            <a:lvl4pPr marL="1371600" indent="0">
+            <a:lvl4pPr marL="1371645" indent="0">
               <a:buNone/>
               <a:defRPr sz="1600" b="1"/>
             </a:lvl4pPr>
-            <a:lvl5pPr marL="1828800" indent="0">
+            <a:lvl5pPr marL="1828861" indent="0">
               <a:buNone/>
               <a:defRPr sz="1600" b="1"/>
             </a:lvl5pPr>
-            <a:lvl6pPr marL="2286000" indent="0">
+            <a:lvl6pPr marL="2286077" indent="0">
               <a:buNone/>
               <a:defRPr sz="1600" b="1"/>
             </a:lvl6pPr>
-            <a:lvl7pPr marL="2743200" indent="0">
+            <a:lvl7pPr marL="2743291" indent="0">
               <a:buNone/>
               <a:defRPr sz="1600" b="1"/>
             </a:lvl7pPr>
-            <a:lvl8pPr marL="3200400" indent="0">
+            <a:lvl8pPr marL="3200507" indent="0">
               <a:buNone/>
               <a:defRPr sz="1600" b="1"/>
             </a:lvl8pPr>
-            <a:lvl9pPr marL="3657600" indent="0">
+            <a:lvl9pPr marL="3657722" indent="0">
               <a:buNone/>
               <a:defRPr sz="1600" b="1"/>
             </a:lvl9pPr>
@@ -2243,7 +2354,7 @@
         </p:nvSpPr>
         <p:spPr>
           <a:xfrm>
-            <a:off x="504825" y="1798638"/>
+            <a:off x="504825" y="1798641"/>
             <a:ext cx="4452938" cy="3267075"/>
           </a:xfrm>
         </p:spPr>
@@ -2339,35 +2450,35 @@
               <a:buNone/>
               <a:defRPr sz="2400" b="1"/>
             </a:lvl1pPr>
-            <a:lvl2pPr marL="457200" indent="0">
+            <a:lvl2pPr marL="457216" indent="0">
               <a:buNone/>
               <a:defRPr sz="2000" b="1"/>
             </a:lvl2pPr>
-            <a:lvl3pPr marL="914400" indent="0">
+            <a:lvl3pPr marL="914430" indent="0">
               <a:buNone/>
               <a:defRPr sz="1800" b="1"/>
             </a:lvl3pPr>
-            <a:lvl4pPr marL="1371600" indent="0">
+            <a:lvl4pPr marL="1371645" indent="0">
               <a:buNone/>
               <a:defRPr sz="1600" b="1"/>
             </a:lvl4pPr>
-            <a:lvl5pPr marL="1828800" indent="0">
+            <a:lvl5pPr marL="1828861" indent="0">
               <a:buNone/>
               <a:defRPr sz="1600" b="1"/>
             </a:lvl5pPr>
-            <a:lvl6pPr marL="2286000" indent="0">
+            <a:lvl6pPr marL="2286077" indent="0">
               <a:buNone/>
               <a:defRPr sz="1600" b="1"/>
             </a:lvl6pPr>
-            <a:lvl7pPr marL="2743200" indent="0">
+            <a:lvl7pPr marL="2743291" indent="0">
               <a:buNone/>
               <a:defRPr sz="1600" b="1"/>
             </a:lvl7pPr>
-            <a:lvl8pPr marL="3200400" indent="0">
+            <a:lvl8pPr marL="3200507" indent="0">
               <a:buNone/>
               <a:defRPr sz="1600" b="1"/>
             </a:lvl8pPr>
-            <a:lvl9pPr marL="3657600" indent="0">
+            <a:lvl9pPr marL="3657722" indent="0">
               <a:buNone/>
               <a:defRPr sz="1600" b="1"/>
             </a:lvl9pPr>
@@ -2393,7 +2504,7 @@
         </p:nvSpPr>
         <p:spPr>
           <a:xfrm>
-            <a:off x="5121275" y="1798638"/>
+            <a:off x="5121275" y="1798641"/>
             <a:ext cx="4456113" cy="3267075"/>
           </a:xfrm>
         </p:spPr>
@@ -2539,11 +2650,11 @@
   <p:clrMapOvr>
     <a:masterClrMapping/>
   </p:clrMapOvr>
-  <mc:AlternateContent xmlns:mc="http://schemas.openxmlformats.org/markup-compatibility/2006">
-    <mc:Choice xmlns:p14="http://schemas.microsoft.com/office/powerpoint/2010/main" Requires="p14">
+  <mc:AlternateContent xmlns:mc="http://schemas.openxmlformats.org/markup-compatibility/2006" xmlns:p14="http://schemas.microsoft.com/office/powerpoint/2010/main">
+    <mc:Choice Requires="p14">
       <p:transition spd="slow" p14:dur="2000"/>
     </mc:Choice>
-    <mc:Fallback>
+    <mc:Fallback xmlns="">
       <p:transition spd="slow"/>
     </mc:Fallback>
   </mc:AlternateContent>
@@ -2663,11 +2774,11 @@
   <p:clrMapOvr>
     <a:masterClrMapping/>
   </p:clrMapOvr>
-  <mc:AlternateContent xmlns:mc="http://schemas.openxmlformats.org/markup-compatibility/2006">
-    <mc:Choice xmlns:p14="http://schemas.microsoft.com/office/powerpoint/2010/main" Requires="p14">
+  <mc:AlternateContent xmlns:mc="http://schemas.openxmlformats.org/markup-compatibility/2006" xmlns:p14="http://schemas.microsoft.com/office/powerpoint/2010/main">
+    <mc:Choice Requires="p14">
       <p:transition spd="slow" p14:dur="2000"/>
     </mc:Choice>
-    <mc:Fallback>
+    <mc:Fallback xmlns="">
       <p:transition spd="slow"/>
     </mc:Fallback>
   </mc:AlternateContent>
@@ -2764,11 +2875,11 @@
   <p:clrMapOvr>
     <a:masterClrMapping/>
   </p:clrMapOvr>
-  <mc:AlternateContent xmlns:mc="http://schemas.openxmlformats.org/markup-compatibility/2006">
-    <mc:Choice xmlns:p14="http://schemas.microsoft.com/office/powerpoint/2010/main" Requires="p14">
+  <mc:AlternateContent xmlns:mc="http://schemas.openxmlformats.org/markup-compatibility/2006" xmlns:p14="http://schemas.microsoft.com/office/powerpoint/2010/main">
+    <mc:Choice Requires="p14">
       <p:transition spd="slow" p14:dur="2000"/>
     </mc:Choice>
-    <mc:Fallback>
+    <mc:Fallback xmlns="">
       <p:transition spd="slow"/>
     </mc:Fallback>
   </mc:AlternateContent>
@@ -2805,7 +2916,7 @@
         </p:nvSpPr>
         <p:spPr>
           <a:xfrm>
-            <a:off x="504825" y="225425"/>
+            <a:off x="504826" y="225425"/>
             <a:ext cx="3316288" cy="960438"/>
           </a:xfrm>
         </p:spPr>
@@ -2837,7 +2948,7 @@
         </p:nvSpPr>
         <p:spPr>
           <a:xfrm>
-            <a:off x="3941763" y="225425"/>
+            <a:off x="3941767" y="225425"/>
             <a:ext cx="5635625" cy="4840288"/>
           </a:xfrm>
         </p:spPr>
@@ -2922,7 +3033,7 @@
         </p:nvSpPr>
         <p:spPr>
           <a:xfrm>
-            <a:off x="504825" y="1185863"/>
+            <a:off x="504826" y="1185863"/>
             <a:ext cx="3316288" cy="3879850"/>
           </a:xfrm>
         </p:spPr>
@@ -2933,35 +3044,35 @@
               <a:buNone/>
               <a:defRPr sz="1400"/>
             </a:lvl1pPr>
-            <a:lvl2pPr marL="457200" indent="0">
+            <a:lvl2pPr marL="457216" indent="0">
               <a:buNone/>
               <a:defRPr sz="1200"/>
             </a:lvl2pPr>
-            <a:lvl3pPr marL="914400" indent="0">
+            <a:lvl3pPr marL="914430" indent="0">
               <a:buNone/>
               <a:defRPr sz="1000"/>
             </a:lvl3pPr>
-            <a:lvl4pPr marL="1371600" indent="0">
+            <a:lvl4pPr marL="1371645" indent="0">
               <a:buNone/>
               <a:defRPr sz="900"/>
             </a:lvl4pPr>
-            <a:lvl5pPr marL="1828800" indent="0">
+            <a:lvl5pPr marL="1828861" indent="0">
               <a:buNone/>
               <a:defRPr sz="900"/>
             </a:lvl5pPr>
-            <a:lvl6pPr marL="2286000" indent="0">
+            <a:lvl6pPr marL="2286077" indent="0">
               <a:buNone/>
               <a:defRPr sz="900"/>
             </a:lvl6pPr>
-            <a:lvl7pPr marL="2743200" indent="0">
+            <a:lvl7pPr marL="2743291" indent="0">
               <a:buNone/>
               <a:defRPr sz="900"/>
             </a:lvl7pPr>
-            <a:lvl8pPr marL="3200400" indent="0">
+            <a:lvl8pPr marL="3200507" indent="0">
               <a:buNone/>
               <a:defRPr sz="900"/>
             </a:lvl8pPr>
-            <a:lvl9pPr marL="3657600" indent="0">
+            <a:lvl9pPr marL="3657722" indent="0">
               <a:buNone/>
               <a:defRPr sz="900"/>
             </a:lvl9pPr>
@@ -3048,11 +3159,11 @@
   <p:clrMapOvr>
     <a:masterClrMapping/>
   </p:clrMapOvr>
-  <mc:AlternateContent xmlns:mc="http://schemas.openxmlformats.org/markup-compatibility/2006">
-    <mc:Choice xmlns:p14="http://schemas.microsoft.com/office/powerpoint/2010/main" Requires="p14">
+  <mc:AlternateContent xmlns:mc="http://schemas.openxmlformats.org/markup-compatibility/2006" xmlns:p14="http://schemas.microsoft.com/office/powerpoint/2010/main">
+    <mc:Choice Requires="p14">
       <p:transition spd="slow" p14:dur="2000"/>
     </mc:Choice>
-    <mc:Fallback>
+    <mc:Fallback xmlns="">
       <p:transition spd="slow"/>
     </mc:Fallback>
   </mc:AlternateContent>
@@ -3131,35 +3242,35 @@
               <a:buNone/>
               <a:defRPr sz="3200"/>
             </a:lvl1pPr>
-            <a:lvl2pPr marL="457200" indent="0">
+            <a:lvl2pPr marL="457216" indent="0">
               <a:buNone/>
               <a:defRPr sz="2800"/>
             </a:lvl2pPr>
-            <a:lvl3pPr marL="914400" indent="0">
+            <a:lvl3pPr marL="914430" indent="0">
               <a:buNone/>
               <a:defRPr sz="2400"/>
             </a:lvl3pPr>
-            <a:lvl4pPr marL="1371600" indent="0">
+            <a:lvl4pPr marL="1371645" indent="0">
               <a:buNone/>
               <a:defRPr sz="2000"/>
             </a:lvl4pPr>
-            <a:lvl5pPr marL="1828800" indent="0">
+            <a:lvl5pPr marL="1828861" indent="0">
               <a:buNone/>
               <a:defRPr sz="2000"/>
             </a:lvl5pPr>
-            <a:lvl6pPr marL="2286000" indent="0">
+            <a:lvl6pPr marL="2286077" indent="0">
               <a:buNone/>
               <a:defRPr sz="2000"/>
             </a:lvl6pPr>
-            <a:lvl7pPr marL="2743200" indent="0">
+            <a:lvl7pPr marL="2743291" indent="0">
               <a:buNone/>
               <a:defRPr sz="2000"/>
             </a:lvl7pPr>
-            <a:lvl8pPr marL="3200400" indent="0">
+            <a:lvl8pPr marL="3200507" indent="0">
               <a:buNone/>
               <a:defRPr sz="2000"/>
             </a:lvl8pPr>
-            <a:lvl9pPr marL="3657600" indent="0">
+            <a:lvl9pPr marL="3657722" indent="0">
               <a:buNone/>
               <a:defRPr sz="2000"/>
             </a:lvl9pPr>
@@ -3181,7 +3292,7 @@
         </p:nvSpPr>
         <p:spPr>
           <a:xfrm>
-            <a:off x="1976438" y="4438650"/>
+            <a:off x="1976438" y="4438656"/>
             <a:ext cx="6048375" cy="665163"/>
           </a:xfrm>
         </p:spPr>
@@ -3192,35 +3303,35 @@
               <a:buNone/>
               <a:defRPr sz="1400"/>
             </a:lvl1pPr>
-            <a:lvl2pPr marL="457200" indent="0">
+            <a:lvl2pPr marL="457216" indent="0">
               <a:buNone/>
               <a:defRPr sz="1200"/>
             </a:lvl2pPr>
-            <a:lvl3pPr marL="914400" indent="0">
+            <a:lvl3pPr marL="914430" indent="0">
               <a:buNone/>
               <a:defRPr sz="1000"/>
             </a:lvl3pPr>
-            <a:lvl4pPr marL="1371600" indent="0">
+            <a:lvl4pPr marL="1371645" indent="0">
               <a:buNone/>
               <a:defRPr sz="900"/>
             </a:lvl4pPr>
-            <a:lvl5pPr marL="1828800" indent="0">
+            <a:lvl5pPr marL="1828861" indent="0">
               <a:buNone/>
               <a:defRPr sz="900"/>
             </a:lvl5pPr>
-            <a:lvl6pPr marL="2286000" indent="0">
+            <a:lvl6pPr marL="2286077" indent="0">
               <a:buNone/>
               <a:defRPr sz="900"/>
             </a:lvl6pPr>
-            <a:lvl7pPr marL="2743200" indent="0">
+            <a:lvl7pPr marL="2743291" indent="0">
               <a:buNone/>
               <a:defRPr sz="900"/>
             </a:lvl7pPr>
-            <a:lvl8pPr marL="3200400" indent="0">
+            <a:lvl8pPr marL="3200507" indent="0">
               <a:buNone/>
               <a:defRPr sz="900"/>
             </a:lvl8pPr>
-            <a:lvl9pPr marL="3657600" indent="0">
+            <a:lvl9pPr marL="3657722" indent="0">
               <a:buNone/>
               <a:defRPr sz="900"/>
             </a:lvl9pPr>
@@ -3307,11 +3418,11 @@
   <p:clrMapOvr>
     <a:masterClrMapping/>
   </p:clrMapOvr>
-  <mc:AlternateContent xmlns:mc="http://schemas.openxmlformats.org/markup-compatibility/2006">
-    <mc:Choice xmlns:p14="http://schemas.microsoft.com/office/powerpoint/2010/main" Requires="p14">
+  <mc:AlternateContent xmlns:mc="http://schemas.openxmlformats.org/markup-compatibility/2006" xmlns:p14="http://schemas.microsoft.com/office/powerpoint/2010/main">
+    <mc:Choice Requires="p14">
       <p:transition spd="slow" p14:dur="2000"/>
     </mc:Choice>
-    <mc:Fallback>
+    <mc:Fallback xmlns="">
       <p:transition spd="slow"/>
     </mc:Fallback>
   </mc:AlternateContent>
@@ -3322,10 +3433,9 @@
 <p:sldMaster xmlns:a="http://schemas.openxmlformats.org/drawingml/2006/main" xmlns:r="http://schemas.openxmlformats.org/officeDocument/2006/relationships" xmlns:p="http://schemas.openxmlformats.org/presentationml/2006/main">
   <p:cSld>
     <p:bg>
-      <p:bgPr>
-        <a:noFill/>
-        <a:effectLst/>
-      </p:bgPr>
+      <p:bgRef idx="1001">
+        <a:schemeClr val="bg1"/>
+      </p:bgRef>
     </p:bg>
     <p:spTree>
       <p:nvGrpSpPr>
@@ -3343,7 +3453,7 @@
       </p:grpSpPr>
       <p:pic>
         <p:nvPicPr>
-          <p:cNvPr id="2" name=""/>
+          <p:cNvPr id="2" name="Imagem 1"/>
           <p:cNvPicPr>
             <a:picLocks noChangeAspect="1"/>
           </p:cNvPicPr>
@@ -3472,7 +3582,7 @@
         <p:spPr>
           <a:xfrm>
             <a:off x="1296000" y="1326240"/>
-            <a:ext cx="8280000" cy="3838320"/>
+            <a:ext cx="8279999" cy="3838320"/>
           </a:xfrm>
           <a:prstGeom prst="rect">
             <a:avLst/>
@@ -3726,7 +3836,7 @@
         </p:nvSpPr>
         <p:spPr>
           <a:xfrm>
-            <a:off x="503999" y="5164560"/>
+            <a:off x="504001" y="5164560"/>
             <a:ext cx="2348280" cy="390960"/>
           </a:xfrm>
           <a:prstGeom prst="rect">
@@ -3768,7 +3878,7 @@
         </p:nvSpPr>
         <p:spPr>
           <a:xfrm>
-            <a:off x="3447360" y="5164560"/>
+            <a:off x="3447359" y="5164560"/>
             <a:ext cx="3195000" cy="390960"/>
           </a:xfrm>
           <a:prstGeom prst="rect">
@@ -3859,11 +3969,11 @@
     <p:sldLayoutId id="2147483658" r:id="rId10"/>
     <p:sldLayoutId id="2147483659" r:id="rId11"/>
   </p:sldLayoutIdLst>
-  <mc:AlternateContent xmlns:mc="http://schemas.openxmlformats.org/markup-compatibility/2006">
-    <mc:Choice xmlns:p14="http://schemas.microsoft.com/office/powerpoint/2010/main" Requires="p14">
+  <mc:AlternateContent xmlns:mc="http://schemas.openxmlformats.org/markup-compatibility/2006" xmlns:p14="http://schemas.microsoft.com/office/powerpoint/2010/main">
+    <mc:Choice Requires="p14">
       <p:transition spd="slow" p14:dur="2000"/>
     </mc:Choice>
-    <mc:Fallback>
+    <mc:Fallback xmlns="">
       <p:transition spd="slow"/>
     </mc:Fallback>
   </mc:AlternateContent>
@@ -3891,7 +4001,7 @@
           <a:spcPts val="0"/>
         </a:spcBef>
         <a:spcAft>
-          <a:spcPts val="1054"/>
+          <a:spcPts val="1055"/>
         </a:spcAft>
         <a:tabLst/>
         <a:defRPr lang="pt-BR" sz="2400" b="0" i="0" u="none" strike="noStrike" kern="1200">
@@ -3925,130 +4035,1883 @@
           <a:chExt cx="0" cy="0"/>
         </a:xfrm>
       </p:grpSpPr>
-      <p:sp>
-        <p:nvSpPr>
-          <p:cNvPr id="2" name="Título 1"/>
-          <p:cNvSpPr txBox="1">
-            <a:spLocks noGrp="1"/>
-          </p:cNvSpPr>
-          <p:nvPr>
-            <p:ph type="title" idx="4294967295"/>
-          </p:nvPr>
+      <p:pic>
+        <p:nvPicPr>
+          <p:cNvPr id="1028" name="Picture 4" descr="https://miro.medium.com/max/5040/1*U-R58ahr5dtAvtSLGK2wXg.png"/>
+          <p:cNvPicPr>
+            <a:picLocks noChangeAspect="1" noChangeArrowheads="1"/>
+          </p:cNvPicPr>
+          <p:nvPr/>
+        </p:nvPicPr>
+        <p:blipFill>
+          <a:blip r:embed="rId3">
+            <a:extLst>
+              <a:ext uri="{28A0092B-C50C-407E-A947-70E740481C1C}">
+                <a14:useLocalDpi xmlns:a14="http://schemas.microsoft.com/office/drawing/2010/main" val="0"/>
+              </a:ext>
+            </a:extLst>
+          </a:blip>
+          <a:srcRect/>
+          <a:stretch>
+            <a:fillRect/>
+          </a:stretch>
+        </p:blipFill>
+        <p:spPr bwMode="auto">
+          <a:xfrm>
+            <a:off x="-2" y="0"/>
+            <a:ext cx="10080625" cy="5670351"/>
+          </a:xfrm>
+          <a:prstGeom prst="rect">
+            <a:avLst/>
+          </a:prstGeom>
+          <a:noFill/>
+          <a:extLst>
+            <a:ext uri="{909E8E84-426E-40DD-AFC4-6F175D3DCCD1}">
+              <a14:hiddenFill xmlns:a14="http://schemas.microsoft.com/office/drawing/2010/main">
+                <a:solidFill>
+                  <a:srgbClr val="FFFFFF"/>
+                </a:solidFill>
+              </a14:hiddenFill>
+            </a:ext>
+          </a:extLst>
+        </p:spPr>
+      </p:pic>
+      <p:sp>
+        <p:nvSpPr>
+          <p:cNvPr id="4" name="CaixaDeTexto 3"/>
+          <p:cNvSpPr txBox="1"/>
+          <p:nvPr/>
         </p:nvSpPr>
         <p:spPr>
           <a:xfrm>
-            <a:off x="1584000" y="445204"/>
-            <a:ext cx="7991640" cy="507831"/>
+            <a:off x="2880070" y="2102034"/>
+            <a:ext cx="4320480" cy="923330"/>
+          </a:xfrm>
+          <a:prstGeom prst="rect">
+            <a:avLst/>
+          </a:prstGeom>
+          <a:noFill/>
+        </p:spPr>
+        <p:txBody>
+          <a:bodyPr wrap="square" rtlCol="0">
+            <a:spAutoFit/>
+          </a:bodyPr>
+          <a:lstStyle/>
+          <a:p>
+            <a:pPr algn="ctr"/>
+            <a:r>
+              <a:rPr lang="en-US" sz="5400" dirty="0" smtClean="0">
+                <a:solidFill>
+                  <a:schemeClr val="bg1"/>
+                </a:solidFill>
+                <a:latin typeface="Calibri" panose="020F0502020204030204" pitchFamily="34" charset="0"/>
+                <a:cs typeface="Calibri" panose="020F0502020204030204" pitchFamily="34" charset="0"/>
+              </a:rPr>
+              <a:t>World</a:t>
+            </a:r>
+            <a:endParaRPr lang="pt-BR" sz="5400" dirty="0">
+              <a:solidFill>
+                <a:schemeClr val="bg1"/>
+              </a:solidFill>
+              <a:latin typeface="Calibri" panose="020F0502020204030204" pitchFamily="34" charset="0"/>
+              <a:cs typeface="Calibri" panose="020F0502020204030204" pitchFamily="34" charset="0"/>
+            </a:endParaRPr>
+          </a:p>
+        </p:txBody>
+      </p:sp>
+      <p:sp>
+        <p:nvSpPr>
+          <p:cNvPr id="5" name="CaixaDeTexto 4"/>
+          <p:cNvSpPr txBox="1"/>
+          <p:nvPr/>
+        </p:nvSpPr>
+        <p:spPr>
+          <a:xfrm>
+            <a:off x="2087984" y="-11901"/>
+            <a:ext cx="6336704" cy="769441"/>
+          </a:xfrm>
+          <a:prstGeom prst="rect">
+            <a:avLst/>
+          </a:prstGeom>
+          <a:noFill/>
+        </p:spPr>
+        <p:txBody>
+          <a:bodyPr wrap="square" rtlCol="0">
+            <a:spAutoFit/>
+          </a:bodyPr>
+          <a:lstStyle/>
+          <a:p>
+            <a:r>
+              <a:rPr lang="en-US" sz="4400" dirty="0" smtClean="0">
+                <a:solidFill>
+                  <a:schemeClr val="bg1"/>
+                </a:solidFill>
+              </a:rPr>
+              <a:t>In Any Language You Like</a:t>
+            </a:r>
+            <a:endParaRPr lang="pt-BR" sz="4400" dirty="0">
+              <a:solidFill>
+                <a:schemeClr val="bg1"/>
+              </a:solidFill>
+            </a:endParaRPr>
+          </a:p>
+        </p:txBody>
+      </p:sp>
+      <p:sp>
+        <p:nvSpPr>
+          <p:cNvPr id="6" name="CaixaDeTexto 5"/>
+          <p:cNvSpPr txBox="1"/>
+          <p:nvPr/>
+        </p:nvSpPr>
+        <p:spPr>
+          <a:xfrm>
+            <a:off x="1961968" y="5067523"/>
+            <a:ext cx="6588735" cy="523220"/>
+          </a:xfrm>
+          <a:prstGeom prst="rect">
+            <a:avLst/>
+          </a:prstGeom>
+          <a:noFill/>
+        </p:spPr>
+        <p:txBody>
+          <a:bodyPr wrap="square" rtlCol="0">
+            <a:spAutoFit/>
+          </a:bodyPr>
+          <a:lstStyle/>
+          <a:p>
+            <a:r>
+              <a:rPr lang="en-US" sz="2800" dirty="0" smtClean="0">
+                <a:solidFill>
+                  <a:schemeClr val="bg1"/>
+                </a:solidFill>
+              </a:rPr>
+              <a:t>Clóvis Kuhn e </a:t>
+            </a:r>
+            <a:r>
+              <a:rPr lang="en-US" sz="2800" dirty="0" err="1" smtClean="0">
+                <a:solidFill>
+                  <a:schemeClr val="bg1"/>
+                </a:solidFill>
+              </a:rPr>
+              <a:t>Matheus</a:t>
+            </a:r>
+            <a:r>
+              <a:rPr lang="en-US" sz="2800" dirty="0" smtClean="0">
+                <a:solidFill>
+                  <a:schemeClr val="bg1"/>
+                </a:solidFill>
+              </a:rPr>
+              <a:t> Rodrigues da Cunha</a:t>
+            </a:r>
+            <a:endParaRPr lang="pt-BR" sz="2800" dirty="0">
+              <a:solidFill>
+                <a:schemeClr val="bg1"/>
+              </a:solidFill>
+            </a:endParaRPr>
+          </a:p>
+        </p:txBody>
+      </p:sp>
+    </p:spTree>
+  </p:cSld>
+  <p:clrMapOvr>
+    <a:masterClrMapping/>
+  </p:clrMapOvr>
+  <mc:AlternateContent xmlns:mc="http://schemas.openxmlformats.org/markup-compatibility/2006" xmlns:p14="http://schemas.microsoft.com/office/powerpoint/2010/main">
+    <mc:Choice Requires="p14">
+      <p:transition spd="slow" p14:dur="2000"/>
+    </mc:Choice>
+    <mc:Fallback xmlns="">
+      <p:transition spd="slow"/>
+    </mc:Fallback>
+  </mc:AlternateContent>
+  <p:timing>
+    <p:tnLst>
+      <p:par>
+        <p:cTn id="1" dur="indefinite" restart="never" nodeType="tmRoot"/>
+      </p:par>
+    </p:tnLst>
+  </p:timing>
+</p:sld>
+</file>
+
+<file path=ppt/slides/slide10.xml><?xml version="1.0" encoding="utf-8"?>
+<p:sld xmlns:a="http://schemas.openxmlformats.org/drawingml/2006/main" xmlns:r="http://schemas.openxmlformats.org/officeDocument/2006/relationships" xmlns:p="http://schemas.openxmlformats.org/presentationml/2006/main">
+  <p:cSld>
+    <p:spTree>
+      <p:nvGrpSpPr>
+        <p:cNvPr id="1" name=""/>
+        <p:cNvGrpSpPr/>
+        <p:nvPr/>
+      </p:nvGrpSpPr>
+      <p:grpSpPr>
+        <a:xfrm>
+          <a:off x="0" y="0"/>
+          <a:ext cx="0" cy="0"/>
+          <a:chOff x="0" y="0"/>
+          <a:chExt cx="0" cy="0"/>
+        </a:xfrm>
+      </p:grpSpPr>
+      <p:sp>
+        <p:nvSpPr>
+          <p:cNvPr id="2" name="Título 1"/>
+          <p:cNvSpPr>
+            <a:spLocks noGrp="1"/>
+          </p:cNvSpPr>
+          <p:nvPr>
+            <p:ph type="title"/>
+          </p:nvPr>
+        </p:nvSpPr>
+        <p:spPr>
+          <a:xfrm>
+            <a:off x="1326782" y="170979"/>
+            <a:ext cx="7991640" cy="946801"/>
           </a:xfrm>
         </p:spPr>
         <p:txBody>
-          <a:bodyPr>
+          <a:bodyPr/>
+          <a:lstStyle/>
+          <a:p>
+            <a:pPr>
+              <a:buNone/>
+            </a:pPr>
+            <a:r>
+              <a:rPr lang="pt-BR" sz="4800" dirty="0" err="1" smtClean="0"/>
+              <a:t>Counting</a:t>
+            </a:r>
+            <a:r>
+              <a:rPr lang="pt-BR" sz="4800" dirty="0" smtClean="0"/>
+              <a:t> </a:t>
+            </a:r>
+            <a:r>
+              <a:rPr lang="pt-BR" sz="4800" dirty="0" err="1" smtClean="0"/>
+              <a:t>Sort</a:t>
+            </a:r>
+            <a:endParaRPr lang="pt-BR" sz="4800" dirty="0"/>
+          </a:p>
+        </p:txBody>
+      </p:sp>
+      <p:pic>
+        <p:nvPicPr>
+          <p:cNvPr id="4" name="Imagem 3"/>
+          <p:cNvPicPr>
+            <a:picLocks noChangeAspect="1"/>
+          </p:cNvPicPr>
+          <p:nvPr/>
+        </p:nvPicPr>
+        <p:blipFill>
+          <a:blip r:embed="rId2"/>
+          <a:stretch>
+            <a:fillRect/>
+          </a:stretch>
+        </p:blipFill>
+        <p:spPr>
+          <a:xfrm>
+            <a:off x="1984136" y="1611139"/>
+            <a:ext cx="6676932" cy="2755915"/>
+          </a:xfrm>
+          <a:prstGeom prst="rect">
+            <a:avLst/>
+          </a:prstGeom>
+        </p:spPr>
+      </p:pic>
+    </p:spTree>
+    <p:extLst>
+      <p:ext uri="{BB962C8B-B14F-4D97-AF65-F5344CB8AC3E}">
+        <p14:creationId xmlns:p14="http://schemas.microsoft.com/office/powerpoint/2010/main" val="1691817533"/>
+      </p:ext>
+    </p:extLst>
+  </p:cSld>
+  <p:clrMapOvr>
+    <a:masterClrMapping/>
+  </p:clrMapOvr>
+  <mc:AlternateContent xmlns:mc="http://schemas.openxmlformats.org/markup-compatibility/2006" xmlns:p14="http://schemas.microsoft.com/office/powerpoint/2010/main">
+    <mc:Choice Requires="p14">
+      <p:transition spd="slow" p14:dur="2000"/>
+    </mc:Choice>
+    <mc:Fallback xmlns="">
+      <p:transition spd="slow"/>
+    </mc:Fallback>
+  </mc:AlternateContent>
+  <p:timing>
+    <p:tnLst>
+      <p:par>
+        <p:cTn id="1" dur="indefinite" restart="never" nodeType="tmRoot"/>
+      </p:par>
+    </p:tnLst>
+  </p:timing>
+</p:sld>
+</file>
+
+<file path=ppt/slides/slide11.xml><?xml version="1.0" encoding="utf-8"?>
+<p:sld xmlns:a="http://schemas.openxmlformats.org/drawingml/2006/main" xmlns:r="http://schemas.openxmlformats.org/officeDocument/2006/relationships" xmlns:p="http://schemas.openxmlformats.org/presentationml/2006/main">
+  <p:cSld>
+    <p:spTree>
+      <p:nvGrpSpPr>
+        <p:cNvPr id="1" name=""/>
+        <p:cNvGrpSpPr/>
+        <p:nvPr/>
+      </p:nvGrpSpPr>
+      <p:grpSpPr>
+        <a:xfrm>
+          <a:off x="0" y="0"/>
+          <a:ext cx="0" cy="0"/>
+          <a:chOff x="0" y="0"/>
+          <a:chExt cx="0" cy="0"/>
+        </a:xfrm>
+      </p:grpSpPr>
+      <p:sp>
+        <p:nvSpPr>
+          <p:cNvPr id="2" name="Título 1"/>
+          <p:cNvSpPr>
+            <a:spLocks noGrp="1"/>
+          </p:cNvSpPr>
+          <p:nvPr>
+            <p:ph type="title"/>
+          </p:nvPr>
+        </p:nvSpPr>
+        <p:spPr>
+          <a:xfrm>
+            <a:off x="1326782" y="170979"/>
+            <a:ext cx="7991640" cy="946801"/>
+          </a:xfrm>
+        </p:spPr>
+        <p:txBody>
+          <a:bodyPr/>
+          <a:lstStyle/>
+          <a:p>
+            <a:pPr>
+              <a:buNone/>
+            </a:pPr>
+            <a:r>
+              <a:rPr lang="pt-BR" sz="4800" dirty="0" err="1" smtClean="0"/>
+              <a:t>Counting</a:t>
+            </a:r>
+            <a:r>
+              <a:rPr lang="pt-BR" sz="4800" dirty="0" smtClean="0"/>
+              <a:t> </a:t>
+            </a:r>
+            <a:r>
+              <a:rPr lang="pt-BR" sz="4800" dirty="0" err="1" smtClean="0"/>
+              <a:t>Sort</a:t>
+            </a:r>
+            <a:endParaRPr lang="pt-BR" sz="4800" dirty="0"/>
+          </a:p>
+        </p:txBody>
+      </p:sp>
+      <p:pic>
+        <p:nvPicPr>
+          <p:cNvPr id="3" name="Imagem 2"/>
+          <p:cNvPicPr>
+            <a:picLocks noChangeAspect="1"/>
+          </p:cNvPicPr>
+          <p:nvPr/>
+        </p:nvPicPr>
+        <p:blipFill>
+          <a:blip r:embed="rId2"/>
+          <a:stretch>
+            <a:fillRect/>
+          </a:stretch>
+        </p:blipFill>
+        <p:spPr>
+          <a:xfrm>
+            <a:off x="2058239" y="1539131"/>
+            <a:ext cx="6528725" cy="2808312"/>
+          </a:xfrm>
+          <a:prstGeom prst="rect">
+            <a:avLst/>
+          </a:prstGeom>
+        </p:spPr>
+      </p:pic>
+    </p:spTree>
+    <p:extLst>
+      <p:ext uri="{BB962C8B-B14F-4D97-AF65-F5344CB8AC3E}">
+        <p14:creationId xmlns:p14="http://schemas.microsoft.com/office/powerpoint/2010/main" val="1921700619"/>
+      </p:ext>
+    </p:extLst>
+  </p:cSld>
+  <p:clrMapOvr>
+    <a:masterClrMapping/>
+  </p:clrMapOvr>
+  <mc:AlternateContent xmlns:mc="http://schemas.openxmlformats.org/markup-compatibility/2006" xmlns:p14="http://schemas.microsoft.com/office/powerpoint/2010/main">
+    <mc:Choice Requires="p14">
+      <p:transition spd="slow" p14:dur="2000"/>
+    </mc:Choice>
+    <mc:Fallback xmlns="">
+      <p:transition spd="slow"/>
+    </mc:Fallback>
+  </mc:AlternateContent>
+  <p:timing>
+    <p:tnLst>
+      <p:par>
+        <p:cTn id="1" dur="indefinite" restart="never" nodeType="tmRoot"/>
+      </p:par>
+    </p:tnLst>
+  </p:timing>
+</p:sld>
+</file>
+
+<file path=ppt/slides/slide12.xml><?xml version="1.0" encoding="utf-8"?>
+<p:sld xmlns:a="http://schemas.openxmlformats.org/drawingml/2006/main" xmlns:r="http://schemas.openxmlformats.org/officeDocument/2006/relationships" xmlns:p="http://schemas.openxmlformats.org/presentationml/2006/main">
+  <p:cSld>
+    <p:spTree>
+      <p:nvGrpSpPr>
+        <p:cNvPr id="1" name=""/>
+        <p:cNvGrpSpPr/>
+        <p:nvPr/>
+      </p:nvGrpSpPr>
+      <p:grpSpPr>
+        <a:xfrm>
+          <a:off x="0" y="0"/>
+          <a:ext cx="0" cy="0"/>
+          <a:chOff x="0" y="0"/>
+          <a:chExt cx="0" cy="0"/>
+        </a:xfrm>
+      </p:grpSpPr>
+      <p:sp>
+        <p:nvSpPr>
+          <p:cNvPr id="2" name="Título 1"/>
+          <p:cNvSpPr>
+            <a:spLocks noGrp="1"/>
+          </p:cNvSpPr>
+          <p:nvPr>
+            <p:ph type="title"/>
+          </p:nvPr>
+        </p:nvSpPr>
+        <p:spPr>
+          <a:xfrm>
+            <a:off x="1440179" y="170979"/>
+            <a:ext cx="7991640" cy="946801"/>
+          </a:xfrm>
+        </p:spPr>
+        <p:txBody>
+          <a:bodyPr/>
+          <a:lstStyle/>
+          <a:p>
+            <a:pPr>
+              <a:buNone/>
+            </a:pPr>
+            <a:r>
+              <a:rPr lang="pt-BR" sz="4800" dirty="0" err="1" smtClean="0"/>
+              <a:t>Counting</a:t>
+            </a:r>
+            <a:r>
+              <a:rPr lang="pt-BR" sz="4800" dirty="0" smtClean="0"/>
+              <a:t> </a:t>
+            </a:r>
+            <a:r>
+              <a:rPr lang="pt-BR" sz="4800" dirty="0" err="1" smtClean="0"/>
+              <a:t>Sort</a:t>
+            </a:r>
+            <a:endParaRPr lang="pt-BR" sz="4800" dirty="0"/>
+          </a:p>
+        </p:txBody>
+      </p:sp>
+      <p:pic>
+        <p:nvPicPr>
+          <p:cNvPr id="3" name="Imagem 2"/>
+          <p:cNvPicPr>
+            <a:picLocks noChangeAspect="1"/>
+          </p:cNvPicPr>
+          <p:nvPr/>
+        </p:nvPicPr>
+        <p:blipFill>
+          <a:blip r:embed="rId2"/>
+          <a:stretch>
+            <a:fillRect/>
+          </a:stretch>
+        </p:blipFill>
+        <p:spPr>
+          <a:xfrm>
+            <a:off x="2306147" y="2187203"/>
+            <a:ext cx="6259704" cy="3105868"/>
+          </a:xfrm>
+          <a:prstGeom prst="rect">
+            <a:avLst/>
+          </a:prstGeom>
+        </p:spPr>
+      </p:pic>
+      <p:sp>
+        <p:nvSpPr>
+          <p:cNvPr id="4" name="CaixaDeTexto 3"/>
+          <p:cNvSpPr txBox="1"/>
+          <p:nvPr/>
+        </p:nvSpPr>
+        <p:spPr>
+          <a:xfrm>
+            <a:off x="1655936" y="1251099"/>
+            <a:ext cx="1944216" cy="954107"/>
+          </a:xfrm>
+          <a:prstGeom prst="rect">
+            <a:avLst/>
+          </a:prstGeom>
+          <a:noFill/>
+        </p:spPr>
+        <p:txBody>
+          <a:bodyPr wrap="square" rtlCol="0">
             <a:spAutoFit/>
           </a:bodyPr>
+          <a:lstStyle/>
+          <a:p>
+            <a:pPr algn="ctr"/>
+            <a:r>
+              <a:rPr lang="en-US" sz="2800" dirty="0" smtClean="0"/>
+              <a:t>A[ ] = (1..N)</a:t>
+            </a:r>
+          </a:p>
+          <a:p>
+            <a:pPr algn="ctr"/>
+            <a:r>
+              <a:rPr lang="en-US" sz="2800" dirty="0"/>
+              <a:t>E</a:t>
+            </a:r>
+            <a:r>
+              <a:rPr lang="en-US" sz="2800" dirty="0" smtClean="0"/>
+              <a:t>ntrada</a:t>
+            </a:r>
+            <a:endParaRPr lang="pt-BR" sz="2800" dirty="0"/>
+          </a:p>
+        </p:txBody>
+      </p:sp>
+      <p:sp>
+        <p:nvSpPr>
+          <p:cNvPr id="5" name="Retângulo 4"/>
+          <p:cNvSpPr/>
+          <p:nvPr/>
+        </p:nvSpPr>
+        <p:spPr>
+          <a:xfrm>
+            <a:off x="4508501" y="1251099"/>
+            <a:ext cx="1842171" cy="954107"/>
+          </a:xfrm>
+          <a:prstGeom prst="rect">
+            <a:avLst/>
+          </a:prstGeom>
+        </p:spPr>
+        <p:txBody>
+          <a:bodyPr wrap="none">
+            <a:spAutoFit/>
+          </a:bodyPr>
+          <a:lstStyle/>
+          <a:p>
+            <a:pPr algn="ctr"/>
+            <a:r>
+              <a:rPr lang="en-US" sz="2800" dirty="0" smtClean="0"/>
+              <a:t>B[ </a:t>
+            </a:r>
+            <a:r>
+              <a:rPr lang="en-US" sz="2800" dirty="0"/>
+              <a:t>] = (1..N</a:t>
+            </a:r>
+            <a:r>
+              <a:rPr lang="en-US" sz="2800" dirty="0" smtClean="0"/>
+              <a:t>)</a:t>
+            </a:r>
+            <a:br>
+              <a:rPr lang="en-US" sz="2800" dirty="0" smtClean="0"/>
+            </a:br>
+            <a:r>
+              <a:rPr lang="en-US" sz="2800" dirty="0" err="1" smtClean="0"/>
+              <a:t>Saída</a:t>
+            </a:r>
+            <a:endParaRPr lang="pt-BR" sz="2800" dirty="0"/>
+          </a:p>
+        </p:txBody>
+      </p:sp>
+      <p:sp>
+        <p:nvSpPr>
+          <p:cNvPr id="6" name="Retângulo 5"/>
+          <p:cNvSpPr/>
+          <p:nvPr/>
+        </p:nvSpPr>
+        <p:spPr>
+          <a:xfrm>
+            <a:off x="7361781" y="1251099"/>
+            <a:ext cx="1790875" cy="954107"/>
+          </a:xfrm>
+          <a:prstGeom prst="rect">
+            <a:avLst/>
+          </a:prstGeom>
+        </p:spPr>
+        <p:txBody>
+          <a:bodyPr wrap="none">
+            <a:spAutoFit/>
+          </a:bodyPr>
+          <a:lstStyle/>
+          <a:p>
+            <a:pPr algn="ctr"/>
+            <a:r>
+              <a:rPr lang="en-US" sz="2800" dirty="0" smtClean="0"/>
+              <a:t>C[ </a:t>
+            </a:r>
+            <a:r>
+              <a:rPr lang="en-US" sz="2800" dirty="0"/>
+              <a:t>] = (1</a:t>
+            </a:r>
+            <a:r>
+              <a:rPr lang="en-US" sz="2800" dirty="0" smtClean="0"/>
+              <a:t>..K)</a:t>
+            </a:r>
+          </a:p>
+          <a:p>
+            <a:pPr algn="ctr"/>
+            <a:r>
+              <a:rPr lang="en-US" sz="2800" dirty="0" err="1" smtClean="0"/>
+              <a:t>Contagem</a:t>
+            </a:r>
+            <a:endParaRPr lang="pt-BR" sz="2800" dirty="0"/>
+          </a:p>
+        </p:txBody>
+      </p:sp>
+    </p:spTree>
+    <p:extLst>
+      <p:ext uri="{BB962C8B-B14F-4D97-AF65-F5344CB8AC3E}">
+        <p14:creationId xmlns:p14="http://schemas.microsoft.com/office/powerpoint/2010/main" val="2177571075"/>
+      </p:ext>
+    </p:extLst>
+  </p:cSld>
+  <p:clrMapOvr>
+    <a:masterClrMapping/>
+  </p:clrMapOvr>
+  <mc:AlternateContent xmlns:mc="http://schemas.openxmlformats.org/markup-compatibility/2006" xmlns:p14="http://schemas.microsoft.com/office/powerpoint/2010/main">
+    <mc:Choice Requires="p14">
+      <p:transition spd="slow" p14:dur="2000"/>
+    </mc:Choice>
+    <mc:Fallback xmlns="">
+      <p:transition spd="slow"/>
+    </mc:Fallback>
+  </mc:AlternateContent>
+  <p:timing>
+    <p:tnLst>
+      <p:par>
+        <p:cTn id="1" dur="indefinite" restart="never" nodeType="tmRoot"/>
+      </p:par>
+    </p:tnLst>
+  </p:timing>
+</p:sld>
+</file>
+
+<file path=ppt/slides/slide13.xml><?xml version="1.0" encoding="utf-8"?>
+<p:sld xmlns:a="http://schemas.openxmlformats.org/drawingml/2006/main" xmlns:r="http://schemas.openxmlformats.org/officeDocument/2006/relationships" xmlns:p="http://schemas.openxmlformats.org/presentationml/2006/main">
+  <p:cSld>
+    <p:spTree>
+      <p:nvGrpSpPr>
+        <p:cNvPr id="1" name=""/>
+        <p:cNvGrpSpPr/>
+        <p:nvPr/>
+      </p:nvGrpSpPr>
+      <p:grpSpPr>
+        <a:xfrm>
+          <a:off x="0" y="0"/>
+          <a:ext cx="0" cy="0"/>
+          <a:chOff x="0" y="0"/>
+          <a:chExt cx="0" cy="0"/>
+        </a:xfrm>
+      </p:grpSpPr>
+      <p:sp>
+        <p:nvSpPr>
+          <p:cNvPr id="2" name="Título 1"/>
+          <p:cNvSpPr>
+            <a:spLocks noGrp="1"/>
+          </p:cNvSpPr>
+          <p:nvPr>
+            <p:ph type="title"/>
+          </p:nvPr>
+        </p:nvSpPr>
+        <p:spPr/>
+        <p:txBody>
+          <a:bodyPr/>
+          <a:lstStyle/>
+          <a:p>
+            <a:pPr>
+              <a:buNone/>
+            </a:pPr>
+            <a:r>
+              <a:rPr lang="en-US" sz="4800" dirty="0" err="1" smtClean="0"/>
+              <a:t>Comparação</a:t>
+            </a:r>
+            <a:r>
+              <a:rPr lang="en-US" sz="4800" dirty="0" smtClean="0"/>
+              <a:t> e </a:t>
+            </a:r>
+            <a:r>
+              <a:rPr lang="en-US" sz="4800" dirty="0" err="1" smtClean="0"/>
+              <a:t>Resultados</a:t>
+            </a:r>
+            <a:endParaRPr lang="pt-BR" sz="4800" dirty="0"/>
+          </a:p>
+        </p:txBody>
+      </p:sp>
+      <p:sp>
+        <p:nvSpPr>
+          <p:cNvPr id="3" name="Espaço Reservado para Conteúdo 2"/>
+          <p:cNvSpPr>
+            <a:spLocks noGrp="1"/>
+          </p:cNvSpPr>
+          <p:nvPr>
+            <p:ph idx="1"/>
+          </p:nvPr>
+        </p:nvSpPr>
+        <p:spPr>
+          <a:xfrm>
+            <a:off x="1296000" y="1326239"/>
+            <a:ext cx="8279999" cy="4173331"/>
+          </a:xfrm>
+        </p:spPr>
+        <p:txBody>
+          <a:bodyPr/>
+          <a:lstStyle/>
+          <a:p>
+            <a:r>
+              <a:rPr lang="en-US" dirty="0" err="1" smtClean="0"/>
+              <a:t>Complexidade</a:t>
+            </a:r>
+            <a:r>
+              <a:rPr lang="en-US" dirty="0" smtClean="0"/>
+              <a:t>:</a:t>
+            </a:r>
+          </a:p>
+          <a:p>
+            <a:pPr marL="108000" indent="0">
+              <a:buNone/>
+            </a:pPr>
+            <a:r>
+              <a:rPr lang="en-US" dirty="0" smtClean="0"/>
+              <a:t>Quicksort</a:t>
+            </a:r>
+          </a:p>
+          <a:p>
+            <a:pPr marL="108000" indent="0">
+              <a:buNone/>
+            </a:pPr>
+            <a:r>
+              <a:rPr lang="en-US" dirty="0" smtClean="0"/>
+              <a:t>Counting Sort</a:t>
+            </a:r>
+          </a:p>
+          <a:p>
+            <a:pPr marL="108000" indent="0">
+              <a:buNone/>
+            </a:pPr>
+            <a:endParaRPr lang="en-US" dirty="0"/>
+          </a:p>
+          <a:p>
+            <a:r>
+              <a:rPr lang="en-US" dirty="0" smtClean="0"/>
+              <a:t>Testes e </a:t>
+            </a:r>
+            <a:r>
+              <a:rPr lang="en-US" dirty="0" err="1" smtClean="0"/>
+              <a:t>Resultados</a:t>
+            </a:r>
+            <a:r>
+              <a:rPr lang="en-US" dirty="0" smtClean="0"/>
+              <a:t>:</a:t>
+            </a:r>
+          </a:p>
+          <a:p>
+            <a:pPr marL="108000" indent="0">
+              <a:buNone/>
+            </a:pPr>
+            <a:r>
+              <a:rPr lang="en-US" dirty="0" smtClean="0"/>
+              <a:t>Tempo de </a:t>
+            </a:r>
+            <a:r>
+              <a:rPr lang="en-US" dirty="0" err="1" smtClean="0"/>
+              <a:t>ordenação</a:t>
+            </a:r>
+            <a:r>
+              <a:rPr lang="en-US" dirty="0" smtClean="0"/>
+              <a:t> (</a:t>
+            </a:r>
+            <a:r>
+              <a:rPr lang="en-US" dirty="0" err="1" smtClean="0"/>
+              <a:t>Média</a:t>
+            </a:r>
+            <a:r>
+              <a:rPr lang="en-US" dirty="0" smtClean="0"/>
+              <a:t> de 20x)</a:t>
+            </a:r>
+          </a:p>
+          <a:p>
+            <a:pPr marL="108000" indent="0">
+              <a:buNone/>
+            </a:pPr>
+            <a:r>
+              <a:rPr lang="en-US" dirty="0" err="1" smtClean="0"/>
+              <a:t>QuickSort</a:t>
+            </a:r>
+            <a:endParaRPr lang="en-US" dirty="0" smtClean="0"/>
+          </a:p>
+          <a:p>
+            <a:pPr marL="108000" indent="0">
+              <a:buNone/>
+            </a:pPr>
+            <a:r>
+              <a:rPr lang="en-US" dirty="0" smtClean="0"/>
+              <a:t>Counting Sort</a:t>
+            </a:r>
+          </a:p>
+          <a:p>
+            <a:pPr marL="108000" indent="0">
+              <a:buNone/>
+            </a:pPr>
+            <a:endParaRPr lang="en-US" dirty="0"/>
+          </a:p>
+          <a:p>
+            <a:pPr marL="108000" indent="0">
+              <a:buNone/>
+            </a:pPr>
+            <a:endParaRPr lang="pt-BR" dirty="0"/>
+          </a:p>
+        </p:txBody>
+      </p:sp>
+      <p:sp>
+        <p:nvSpPr>
+          <p:cNvPr id="4" name="Seta para a Direita 3"/>
+          <p:cNvSpPr/>
+          <p:nvPr/>
+        </p:nvSpPr>
+        <p:spPr>
+          <a:xfrm>
+            <a:off x="3168104" y="1899171"/>
+            <a:ext cx="792088" cy="288032"/>
+          </a:xfrm>
+          <a:prstGeom prst="rightArrow">
+            <a:avLst/>
+          </a:prstGeom>
+        </p:spPr>
+        <p:style>
+          <a:lnRef idx="2">
+            <a:schemeClr val="accent1">
+              <a:shade val="50000"/>
+            </a:schemeClr>
+          </a:lnRef>
+          <a:fillRef idx="1">
+            <a:schemeClr val="accent1"/>
+          </a:fillRef>
+          <a:effectRef idx="0">
+            <a:schemeClr val="accent1"/>
+          </a:effectRef>
+          <a:fontRef idx="minor">
+            <a:schemeClr val="lt1"/>
+          </a:fontRef>
+        </p:style>
+        <p:txBody>
+          <a:bodyPr rtlCol="0" anchor="ctr"/>
+          <a:lstStyle/>
+          <a:p>
+            <a:pPr algn="ctr"/>
+            <a:endParaRPr lang="pt-BR"/>
+          </a:p>
+        </p:txBody>
+      </p:sp>
+      <p:sp>
+        <p:nvSpPr>
+          <p:cNvPr id="5" name="Seta para a Direita 4"/>
+          <p:cNvSpPr/>
+          <p:nvPr/>
+        </p:nvSpPr>
+        <p:spPr>
+          <a:xfrm>
+            <a:off x="3564148" y="2394840"/>
+            <a:ext cx="792088" cy="288032"/>
+          </a:xfrm>
+          <a:prstGeom prst="rightArrow">
+            <a:avLst/>
+          </a:prstGeom>
+        </p:spPr>
+        <p:style>
+          <a:lnRef idx="2">
+            <a:schemeClr val="accent1">
+              <a:shade val="50000"/>
+            </a:schemeClr>
+          </a:lnRef>
+          <a:fillRef idx="1">
+            <a:schemeClr val="accent1"/>
+          </a:fillRef>
+          <a:effectRef idx="0">
+            <a:schemeClr val="accent1"/>
+          </a:effectRef>
+          <a:fontRef idx="minor">
+            <a:schemeClr val="lt1"/>
+          </a:fontRef>
+        </p:style>
+        <p:txBody>
+          <a:bodyPr rtlCol="0" anchor="ctr"/>
+          <a:lstStyle/>
+          <a:p>
+            <a:pPr algn="ctr"/>
+            <a:endParaRPr lang="pt-BR"/>
+          </a:p>
+        </p:txBody>
+      </p:sp>
+      <p:sp>
+        <p:nvSpPr>
+          <p:cNvPr id="6" name="Seta para a Direita 5"/>
+          <p:cNvSpPr/>
+          <p:nvPr/>
+        </p:nvSpPr>
+        <p:spPr>
+          <a:xfrm>
+            <a:off x="3170088" y="4419451"/>
+            <a:ext cx="792088" cy="288032"/>
+          </a:xfrm>
+          <a:prstGeom prst="rightArrow">
+            <a:avLst/>
+          </a:prstGeom>
+        </p:spPr>
+        <p:style>
+          <a:lnRef idx="2">
+            <a:schemeClr val="accent1">
+              <a:shade val="50000"/>
+            </a:schemeClr>
+          </a:lnRef>
+          <a:fillRef idx="1">
+            <a:schemeClr val="accent1"/>
+          </a:fillRef>
+          <a:effectRef idx="0">
+            <a:schemeClr val="accent1"/>
+          </a:effectRef>
+          <a:fontRef idx="minor">
+            <a:schemeClr val="lt1"/>
+          </a:fontRef>
+        </p:style>
+        <p:txBody>
+          <a:bodyPr rtlCol="0" anchor="ctr"/>
+          <a:lstStyle/>
+          <a:p>
+            <a:pPr algn="ctr"/>
+            <a:endParaRPr lang="pt-BR"/>
+          </a:p>
+        </p:txBody>
+      </p:sp>
+      <p:sp>
+        <p:nvSpPr>
+          <p:cNvPr id="7" name="Seta para a Direita 6"/>
+          <p:cNvSpPr/>
+          <p:nvPr/>
+        </p:nvSpPr>
+        <p:spPr>
+          <a:xfrm>
+            <a:off x="3564148" y="4959510"/>
+            <a:ext cx="792088" cy="288032"/>
+          </a:xfrm>
+          <a:prstGeom prst="rightArrow">
+            <a:avLst/>
+          </a:prstGeom>
+        </p:spPr>
+        <p:style>
+          <a:lnRef idx="2">
+            <a:schemeClr val="accent1">
+              <a:shade val="50000"/>
+            </a:schemeClr>
+          </a:lnRef>
+          <a:fillRef idx="1">
+            <a:schemeClr val="accent1"/>
+          </a:fillRef>
+          <a:effectRef idx="0">
+            <a:schemeClr val="accent1"/>
+          </a:effectRef>
+          <a:fontRef idx="minor">
+            <a:schemeClr val="lt1"/>
+          </a:fontRef>
+        </p:style>
+        <p:txBody>
+          <a:bodyPr rtlCol="0" anchor="ctr"/>
+          <a:lstStyle/>
+          <a:p>
+            <a:pPr algn="ctr"/>
+            <a:endParaRPr lang="pt-BR"/>
+          </a:p>
+        </p:txBody>
+      </p:sp>
+      <p:sp>
+        <p:nvSpPr>
+          <p:cNvPr id="8" name="CaixaDeTexto 7"/>
+          <p:cNvSpPr txBox="1"/>
+          <p:nvPr/>
+        </p:nvSpPr>
+        <p:spPr>
+          <a:xfrm>
+            <a:off x="4104208" y="1779456"/>
+            <a:ext cx="3240360" cy="461665"/>
+          </a:xfrm>
+          <a:prstGeom prst="rect">
+            <a:avLst/>
+          </a:prstGeom>
+          <a:noFill/>
+        </p:spPr>
+        <p:txBody>
+          <a:bodyPr wrap="square" rtlCol="0">
+            <a:spAutoFit/>
+          </a:bodyPr>
+          <a:lstStyle/>
+          <a:p>
+            <a:r>
+              <a:rPr lang="en-US" sz="2400" dirty="0" err="1" smtClean="0"/>
+              <a:t>Melhor</a:t>
+            </a:r>
+            <a:r>
+              <a:rPr lang="en-US" sz="2400" dirty="0" smtClean="0"/>
+              <a:t> </a:t>
+            </a:r>
+            <a:r>
+              <a:rPr lang="en-US" sz="2400" dirty="0" err="1" smtClean="0"/>
+              <a:t>caso</a:t>
+            </a:r>
+            <a:r>
+              <a:rPr lang="en-US" sz="2400" dirty="0" smtClean="0"/>
+              <a:t>: O(N.log </a:t>
+            </a:r>
+            <a:r>
+              <a:rPr lang="en-US" sz="2400" dirty="0"/>
+              <a:t>N</a:t>
+            </a:r>
+            <a:r>
+              <a:rPr lang="en-US" sz="2400" dirty="0" smtClean="0"/>
+              <a:t>)</a:t>
+            </a:r>
+            <a:endParaRPr lang="pt-BR" sz="2400" dirty="0"/>
+          </a:p>
+        </p:txBody>
+      </p:sp>
+      <p:sp>
+        <p:nvSpPr>
+          <p:cNvPr id="10" name="CaixaDeTexto 9"/>
+          <p:cNvSpPr txBox="1"/>
+          <p:nvPr/>
+        </p:nvSpPr>
+        <p:spPr>
+          <a:xfrm>
+            <a:off x="4536256" y="2308023"/>
+            <a:ext cx="3240360" cy="461665"/>
+          </a:xfrm>
+          <a:prstGeom prst="rect">
+            <a:avLst/>
+          </a:prstGeom>
+          <a:noFill/>
+        </p:spPr>
+        <p:txBody>
+          <a:bodyPr wrap="square" rtlCol="0">
+            <a:spAutoFit/>
+          </a:bodyPr>
+          <a:lstStyle/>
+          <a:p>
+            <a:r>
+              <a:rPr lang="en-US" sz="2400" dirty="0" err="1" smtClean="0"/>
+              <a:t>Sempre</a:t>
+            </a:r>
+            <a:r>
+              <a:rPr lang="en-US" sz="2400" dirty="0" smtClean="0"/>
+              <a:t>: O(N + K)</a:t>
+            </a:r>
+            <a:endParaRPr lang="pt-BR" sz="2400" dirty="0"/>
+          </a:p>
+        </p:txBody>
+      </p:sp>
+      <p:sp>
+        <p:nvSpPr>
+          <p:cNvPr id="11" name="CaixaDeTexto 10"/>
+          <p:cNvSpPr txBox="1"/>
+          <p:nvPr/>
+        </p:nvSpPr>
+        <p:spPr>
+          <a:xfrm>
+            <a:off x="4176216" y="4332634"/>
+            <a:ext cx="3240360" cy="461665"/>
+          </a:xfrm>
+          <a:prstGeom prst="rect">
+            <a:avLst/>
+          </a:prstGeom>
+          <a:noFill/>
+        </p:spPr>
+        <p:txBody>
+          <a:bodyPr wrap="square" rtlCol="0">
+            <a:spAutoFit/>
+          </a:bodyPr>
+          <a:lstStyle/>
+          <a:p>
+            <a:r>
+              <a:rPr lang="en-US" sz="2400" dirty="0" smtClean="0"/>
+              <a:t>2.1 </a:t>
+            </a:r>
+            <a:r>
+              <a:rPr lang="en-US" sz="2400" dirty="0" err="1" smtClean="0"/>
+              <a:t>milisegundos</a:t>
+            </a:r>
+            <a:endParaRPr lang="pt-BR" sz="2400" dirty="0"/>
+          </a:p>
+        </p:txBody>
+      </p:sp>
+      <p:sp>
+        <p:nvSpPr>
+          <p:cNvPr id="12" name="CaixaDeTexto 11"/>
+          <p:cNvSpPr txBox="1"/>
+          <p:nvPr/>
+        </p:nvSpPr>
+        <p:spPr>
+          <a:xfrm>
+            <a:off x="4536256" y="4869305"/>
+            <a:ext cx="3240360" cy="461665"/>
+          </a:xfrm>
+          <a:prstGeom prst="rect">
+            <a:avLst/>
+          </a:prstGeom>
+          <a:noFill/>
+        </p:spPr>
+        <p:txBody>
+          <a:bodyPr wrap="square" rtlCol="0">
+            <a:spAutoFit/>
+          </a:bodyPr>
+          <a:lstStyle/>
+          <a:p>
+            <a:r>
+              <a:rPr lang="en-US" sz="2400" dirty="0" smtClean="0"/>
+              <a:t>0.23 </a:t>
+            </a:r>
+            <a:r>
+              <a:rPr lang="en-US" sz="2400" dirty="0" err="1" smtClean="0"/>
+              <a:t>milisegundos</a:t>
+            </a:r>
+            <a:endParaRPr lang="pt-BR" sz="2400" dirty="0"/>
+          </a:p>
+        </p:txBody>
+      </p:sp>
+    </p:spTree>
+    <p:extLst>
+      <p:ext uri="{BB962C8B-B14F-4D97-AF65-F5344CB8AC3E}">
+        <p14:creationId xmlns:p14="http://schemas.microsoft.com/office/powerpoint/2010/main" val="3673430642"/>
+      </p:ext>
+    </p:extLst>
+  </p:cSld>
+  <p:clrMapOvr>
+    <a:masterClrMapping/>
+  </p:clrMapOvr>
+  <mc:AlternateContent xmlns:mc="http://schemas.openxmlformats.org/markup-compatibility/2006" xmlns:p14="http://schemas.microsoft.com/office/powerpoint/2010/main">
+    <mc:Choice Requires="p14">
+      <p:transition spd="slow" p14:dur="2000"/>
+    </mc:Choice>
+    <mc:Fallback xmlns="">
+      <p:transition spd="slow"/>
+    </mc:Fallback>
+  </mc:AlternateContent>
+</p:sld>
+</file>
+
+<file path=ppt/slides/slide14.xml><?xml version="1.0" encoding="utf-8"?>
+<p:sld xmlns:a="http://schemas.openxmlformats.org/drawingml/2006/main" xmlns:r="http://schemas.openxmlformats.org/officeDocument/2006/relationships" xmlns:p="http://schemas.openxmlformats.org/presentationml/2006/main">
+  <p:cSld>
+    <p:spTree>
+      <p:nvGrpSpPr>
+        <p:cNvPr id="1" name=""/>
+        <p:cNvGrpSpPr/>
+        <p:nvPr/>
+      </p:nvGrpSpPr>
+      <p:grpSpPr>
+        <a:xfrm>
+          <a:off x="0" y="0"/>
+          <a:ext cx="0" cy="0"/>
+          <a:chOff x="0" y="0"/>
+          <a:chExt cx="0" cy="0"/>
+        </a:xfrm>
+      </p:grpSpPr>
+      <p:sp>
+        <p:nvSpPr>
+          <p:cNvPr id="2" name="Título 1"/>
+          <p:cNvSpPr>
+            <a:spLocks noGrp="1"/>
+          </p:cNvSpPr>
+          <p:nvPr>
+            <p:ph type="title"/>
+          </p:nvPr>
+        </p:nvSpPr>
+        <p:spPr/>
+        <p:txBody>
+          <a:bodyPr/>
+          <a:lstStyle/>
+          <a:p>
+            <a:pPr>
+              <a:buNone/>
+            </a:pPr>
+            <a:r>
+              <a:rPr lang="en-US" sz="4800" dirty="0" err="1" smtClean="0"/>
+              <a:t>Conclusão</a:t>
+            </a:r>
+            <a:endParaRPr lang="pt-BR" sz="4800" dirty="0"/>
+          </a:p>
+        </p:txBody>
+      </p:sp>
+      <p:sp>
+        <p:nvSpPr>
+          <p:cNvPr id="3" name="Espaço Reservado para Conteúdo 2"/>
+          <p:cNvSpPr>
+            <a:spLocks noGrp="1"/>
+          </p:cNvSpPr>
+          <p:nvPr>
+            <p:ph idx="1"/>
+          </p:nvPr>
+        </p:nvSpPr>
+        <p:spPr/>
+        <p:txBody>
+          <a:bodyPr/>
+          <a:lstStyle/>
+          <a:p>
+            <a:r>
+              <a:rPr lang="en-US" dirty="0" smtClean="0"/>
+              <a:t>Counting Sort tem </a:t>
+            </a:r>
+            <a:r>
+              <a:rPr lang="en-US" dirty="0" err="1" smtClean="0"/>
+              <a:t>uma</a:t>
+            </a:r>
+            <a:r>
+              <a:rPr lang="en-US" dirty="0" smtClean="0"/>
+              <a:t> </a:t>
+            </a:r>
+            <a:r>
+              <a:rPr lang="en-US" dirty="0" err="1" smtClean="0"/>
+              <a:t>ordenação</a:t>
+            </a:r>
+            <a:r>
+              <a:rPr lang="en-US" dirty="0" smtClean="0"/>
+              <a:t> linear </a:t>
+            </a:r>
+            <a:r>
+              <a:rPr lang="en-US" dirty="0" err="1" smtClean="0"/>
+              <a:t>muito</a:t>
+            </a:r>
+            <a:r>
+              <a:rPr lang="en-US" dirty="0" smtClean="0"/>
+              <a:t> </a:t>
+            </a:r>
+            <a:r>
+              <a:rPr lang="en-US" dirty="0" err="1" smtClean="0"/>
+              <a:t>eficiente</a:t>
+            </a:r>
+            <a:r>
+              <a:rPr lang="en-US" dirty="0" smtClean="0"/>
+              <a:t>.</a:t>
+            </a:r>
+          </a:p>
+          <a:p>
+            <a:r>
+              <a:rPr lang="en-US" dirty="0" err="1" smtClean="0"/>
+              <a:t>Desvantagem</a:t>
+            </a:r>
+            <a:r>
+              <a:rPr lang="en-US" dirty="0" smtClean="0"/>
+              <a:t> de </a:t>
+            </a:r>
+            <a:r>
+              <a:rPr lang="en-US" dirty="0" err="1" smtClean="0"/>
+              <a:t>utilizar</a:t>
+            </a:r>
+            <a:r>
+              <a:rPr lang="en-US" dirty="0" smtClean="0"/>
+              <a:t> </a:t>
+            </a:r>
+            <a:r>
+              <a:rPr lang="en-US" dirty="0" err="1" smtClean="0"/>
+              <a:t>diretamente</a:t>
+            </a:r>
+            <a:r>
+              <a:rPr lang="en-US" dirty="0" smtClean="0"/>
+              <a:t> </a:t>
+            </a:r>
+            <a:r>
+              <a:rPr lang="en-US" dirty="0" err="1" smtClean="0"/>
+              <a:t>números</a:t>
+            </a:r>
+            <a:r>
+              <a:rPr lang="en-US" dirty="0" smtClean="0"/>
+              <a:t> </a:t>
+            </a:r>
+            <a:r>
+              <a:rPr lang="en-US" dirty="0" err="1" smtClean="0"/>
+              <a:t>negativos</a:t>
+            </a:r>
+            <a:r>
+              <a:rPr lang="en-US" dirty="0"/>
+              <a:t> </a:t>
+            </a:r>
+            <a:r>
+              <a:rPr lang="en-US" dirty="0" smtClean="0"/>
+              <a:t>e/</a:t>
+            </a:r>
+            <a:r>
+              <a:rPr lang="en-US" dirty="0" err="1" smtClean="0"/>
+              <a:t>ou</a:t>
+            </a:r>
+            <a:r>
+              <a:rPr lang="en-US" dirty="0" smtClean="0"/>
+              <a:t> </a:t>
+            </a:r>
+            <a:r>
+              <a:rPr lang="en-US" dirty="0" err="1" smtClean="0"/>
+              <a:t>reais</a:t>
+            </a:r>
+            <a:r>
+              <a:rPr lang="en-US" dirty="0" smtClean="0"/>
+              <a:t>.</a:t>
+            </a:r>
+          </a:p>
+          <a:p>
+            <a:r>
+              <a:rPr lang="en-US" dirty="0" smtClean="0"/>
+              <a:t>GitHub </a:t>
+            </a:r>
+            <a:r>
+              <a:rPr lang="en-US" dirty="0" err="1" smtClean="0"/>
+              <a:t>como</a:t>
+            </a:r>
+            <a:r>
+              <a:rPr lang="en-US" dirty="0" smtClean="0"/>
+              <a:t> </a:t>
+            </a:r>
+            <a:r>
+              <a:rPr lang="en-US" dirty="0" err="1" smtClean="0"/>
+              <a:t>ferramenta</a:t>
+            </a:r>
+            <a:r>
+              <a:rPr lang="en-US" dirty="0" smtClean="0"/>
+              <a:t> </a:t>
+            </a:r>
+            <a:r>
+              <a:rPr lang="en-US" dirty="0" err="1" smtClean="0"/>
+              <a:t>essencial</a:t>
+            </a:r>
+            <a:r>
+              <a:rPr lang="en-US" dirty="0" smtClean="0"/>
+              <a:t> para </a:t>
+            </a:r>
+            <a:r>
+              <a:rPr lang="en-US" dirty="0" err="1" smtClean="0"/>
+              <a:t>implementação</a:t>
+            </a:r>
+            <a:r>
+              <a:rPr lang="en-US" dirty="0" smtClean="0"/>
+              <a:t> do </a:t>
+            </a:r>
+            <a:r>
+              <a:rPr lang="en-US" dirty="0" err="1" smtClean="0"/>
+              <a:t>projeto</a:t>
+            </a:r>
+            <a:r>
+              <a:rPr lang="en-US" dirty="0" smtClean="0"/>
+              <a:t>.</a:t>
+            </a:r>
+          </a:p>
+        </p:txBody>
+      </p:sp>
+      <p:pic>
+        <p:nvPicPr>
+          <p:cNvPr id="1028" name="Picture 4" descr="Resultado de imagem para pedra"/>
+          <p:cNvPicPr>
+            <a:picLocks noChangeAspect="1" noChangeArrowheads="1"/>
+          </p:cNvPicPr>
+          <p:nvPr/>
+        </p:nvPicPr>
+        <p:blipFill>
+          <a:blip r:embed="rId2" cstate="print">
+            <a:extLst>
+              <a:ext uri="{28A0092B-C50C-407E-A947-70E740481C1C}">
+                <a14:useLocalDpi xmlns:a14="http://schemas.microsoft.com/office/drawing/2010/main" val="0"/>
+              </a:ext>
+            </a:extLst>
+          </a:blip>
+          <a:srcRect/>
+          <a:stretch>
+            <a:fillRect/>
+          </a:stretch>
+        </p:blipFill>
+        <p:spPr bwMode="auto">
+          <a:xfrm>
+            <a:off x="2159992" y="3537776"/>
+            <a:ext cx="1661271" cy="1661271"/>
+          </a:xfrm>
+          <a:prstGeom prst="rect">
+            <a:avLst/>
+          </a:prstGeom>
+          <a:noFill/>
+          <a:extLst>
+            <a:ext uri="{909E8E84-426E-40DD-AFC4-6F175D3DCCD1}">
+              <a14:hiddenFill xmlns:a14="http://schemas.microsoft.com/office/drawing/2010/main">
+                <a:solidFill>
+                  <a:srgbClr val="FFFFFF"/>
+                </a:solidFill>
+              </a14:hiddenFill>
+            </a:ext>
+          </a:extLst>
+        </p:spPr>
+      </p:pic>
+      <p:sp>
+        <p:nvSpPr>
+          <p:cNvPr id="4" name="Seta para a Esquerda e para a Direita 3"/>
+          <p:cNvSpPr/>
+          <p:nvPr/>
+        </p:nvSpPr>
+        <p:spPr>
+          <a:xfrm>
+            <a:off x="4464248" y="4203427"/>
+            <a:ext cx="1368152" cy="576064"/>
+          </a:xfrm>
+          <a:prstGeom prst="leftRightArrow">
+            <a:avLst/>
+          </a:prstGeom>
+        </p:spPr>
+        <p:style>
+          <a:lnRef idx="2">
+            <a:schemeClr val="accent1">
+              <a:shade val="50000"/>
+            </a:schemeClr>
+          </a:lnRef>
+          <a:fillRef idx="1">
+            <a:schemeClr val="accent1"/>
+          </a:fillRef>
+          <a:effectRef idx="0">
+            <a:schemeClr val="accent1"/>
+          </a:effectRef>
+          <a:fontRef idx="minor">
+            <a:schemeClr val="lt1"/>
+          </a:fontRef>
+        </p:style>
+        <p:txBody>
+          <a:bodyPr rtlCol="0" anchor="ctr"/>
+          <a:lstStyle/>
+          <a:p>
+            <a:pPr algn="ctr"/>
+            <a:endParaRPr lang="pt-BR"/>
+          </a:p>
+        </p:txBody>
+      </p:sp>
+      <p:sp>
+        <p:nvSpPr>
+          <p:cNvPr id="5" name="CaixaDeTexto 4"/>
+          <p:cNvSpPr txBox="1"/>
+          <p:nvPr/>
+        </p:nvSpPr>
+        <p:spPr>
+          <a:xfrm>
+            <a:off x="6120432" y="3706629"/>
+            <a:ext cx="3600400" cy="1569660"/>
+          </a:xfrm>
+          <a:prstGeom prst="rect">
+            <a:avLst/>
+          </a:prstGeom>
+          <a:noFill/>
+        </p:spPr>
+        <p:txBody>
+          <a:bodyPr wrap="square" rtlCol="0">
+            <a:spAutoFit/>
+          </a:bodyPr>
+          <a:lstStyle/>
+          <a:p>
+            <a:pPr algn="ctr"/>
+            <a:r>
+              <a:rPr lang="en-US" sz="3200" dirty="0" err="1" smtClean="0"/>
+              <a:t>Maior</a:t>
+            </a:r>
+            <a:r>
+              <a:rPr lang="en-US" sz="3200" dirty="0" smtClean="0"/>
+              <a:t> Rocha Lunar 480 Metros de </a:t>
+            </a:r>
+            <a:r>
+              <a:rPr lang="en-US" sz="3200" dirty="0" err="1" smtClean="0"/>
+              <a:t>Altura</a:t>
+            </a:r>
+            <a:endParaRPr lang="pt-BR" sz="3200" dirty="0"/>
+          </a:p>
+        </p:txBody>
+      </p:sp>
+    </p:spTree>
+    <p:extLst>
+      <p:ext uri="{BB962C8B-B14F-4D97-AF65-F5344CB8AC3E}">
+        <p14:creationId xmlns:p14="http://schemas.microsoft.com/office/powerpoint/2010/main" val="4092872835"/>
+      </p:ext>
+    </p:extLst>
+  </p:cSld>
+  <p:clrMapOvr>
+    <a:masterClrMapping/>
+  </p:clrMapOvr>
+  <mc:AlternateContent xmlns:mc="http://schemas.openxmlformats.org/markup-compatibility/2006" xmlns:p14="http://schemas.microsoft.com/office/powerpoint/2010/main">
+    <mc:Choice Requires="p14">
+      <p:transition spd="slow" p14:dur="2000"/>
+    </mc:Choice>
+    <mc:Fallback xmlns="">
+      <p:transition spd="slow"/>
+    </mc:Fallback>
+  </mc:AlternateContent>
+</p:sld>
+</file>
+
+<file path=ppt/slides/slide2.xml><?xml version="1.0" encoding="utf-8"?>
+<p:sld xmlns:a="http://schemas.openxmlformats.org/drawingml/2006/main" xmlns:r="http://schemas.openxmlformats.org/officeDocument/2006/relationships" xmlns:p="http://schemas.openxmlformats.org/presentationml/2006/main">
+  <p:cSld>
+    <p:spTree>
+      <p:nvGrpSpPr>
+        <p:cNvPr id="1" name=""/>
+        <p:cNvGrpSpPr/>
+        <p:nvPr/>
+      </p:nvGrpSpPr>
+      <p:grpSpPr>
+        <a:xfrm>
+          <a:off x="0" y="0"/>
+          <a:ext cx="0" cy="0"/>
+          <a:chOff x="0" y="0"/>
+          <a:chExt cx="0" cy="0"/>
+        </a:xfrm>
+      </p:grpSpPr>
+      <p:sp>
+        <p:nvSpPr>
+          <p:cNvPr id="2" name="Título 1"/>
+          <p:cNvSpPr>
+            <a:spLocks noGrp="1"/>
+          </p:cNvSpPr>
+          <p:nvPr>
+            <p:ph type="title"/>
+          </p:nvPr>
+        </p:nvSpPr>
+        <p:spPr>
+          <a:xfrm>
+            <a:off x="1296059" y="242987"/>
+            <a:ext cx="7991640" cy="946800"/>
+          </a:xfrm>
+        </p:spPr>
+        <p:txBody>
+          <a:bodyPr/>
+          <a:lstStyle/>
+          <a:p>
+            <a:pPr>
+              <a:buNone/>
+            </a:pPr>
+            <a:r>
+              <a:rPr lang="pt-BR" sz="4800" dirty="0" smtClean="0"/>
+              <a:t>Objetivos</a:t>
+            </a:r>
+            <a:endParaRPr lang="pt-BR" sz="4800" dirty="0"/>
+          </a:p>
+        </p:txBody>
+      </p:sp>
+      <p:sp>
+        <p:nvSpPr>
+          <p:cNvPr id="3" name="Espaço Reservado para Conteúdo 2"/>
+          <p:cNvSpPr>
+            <a:spLocks noGrp="1"/>
+          </p:cNvSpPr>
+          <p:nvPr>
+            <p:ph idx="1"/>
+          </p:nvPr>
+        </p:nvSpPr>
+        <p:spPr>
+          <a:xfrm>
+            <a:off x="1151880" y="1326240"/>
+            <a:ext cx="8279999" cy="1581043"/>
+          </a:xfrm>
+        </p:spPr>
+        <p:txBody>
+          <a:bodyPr/>
+          <a:lstStyle/>
+          <a:p>
+            <a:pPr algn="just"/>
+            <a:r>
+              <a:rPr lang="pt-BR" dirty="0">
+                <a:latin typeface="Times New Roman" pitchFamily="18" charset="0"/>
+                <a:cs typeface="Times New Roman" pitchFamily="18" charset="0"/>
+              </a:rPr>
+              <a:t>D</a:t>
+            </a:r>
+            <a:r>
+              <a:rPr lang="pt-BR" dirty="0" smtClean="0">
+                <a:latin typeface="Times New Roman" pitchFamily="18" charset="0"/>
+                <a:cs typeface="Times New Roman" pitchFamily="18" charset="0"/>
+              </a:rPr>
+              <a:t>ados estatísticos ordenados pelo algoritmo de </a:t>
+            </a:r>
+            <a:r>
+              <a:rPr lang="pt-BR" dirty="0" err="1" smtClean="0">
+                <a:latin typeface="Times New Roman" pitchFamily="18" charset="0"/>
+                <a:cs typeface="Times New Roman" pitchFamily="18" charset="0"/>
+              </a:rPr>
+              <a:t>Counting</a:t>
+            </a:r>
+            <a:r>
+              <a:rPr lang="pt-BR" dirty="0" smtClean="0">
+                <a:latin typeface="Times New Roman" pitchFamily="18" charset="0"/>
+                <a:cs typeface="Times New Roman" pitchFamily="18" charset="0"/>
+              </a:rPr>
+              <a:t> </a:t>
+            </a:r>
+            <a:r>
+              <a:rPr lang="pt-BR" dirty="0" err="1" smtClean="0">
+                <a:latin typeface="Times New Roman" pitchFamily="18" charset="0"/>
+                <a:cs typeface="Times New Roman" pitchFamily="18" charset="0"/>
+              </a:rPr>
+              <a:t>Sort</a:t>
+            </a:r>
+            <a:r>
+              <a:rPr lang="pt-BR" dirty="0" smtClean="0">
+                <a:latin typeface="Times New Roman" pitchFamily="18" charset="0"/>
+                <a:cs typeface="Times New Roman" pitchFamily="18" charset="0"/>
+              </a:rPr>
+              <a:t>.</a:t>
+            </a:r>
+          </a:p>
+          <a:p>
+            <a:pPr algn="just"/>
+            <a:r>
+              <a:rPr lang="en-US" dirty="0" smtClean="0">
+                <a:latin typeface="Times New Roman" pitchFamily="18" charset="0"/>
+                <a:cs typeface="Times New Roman" pitchFamily="18" charset="0"/>
+              </a:rPr>
+              <a:t>Comparação temporal do </a:t>
+            </a:r>
+            <a:r>
+              <a:rPr lang="en-US" dirty="0">
+                <a:latin typeface="Times New Roman" pitchFamily="18" charset="0"/>
+                <a:cs typeface="Times New Roman" pitchFamily="18" charset="0"/>
+              </a:rPr>
+              <a:t>a</a:t>
+            </a:r>
+            <a:r>
+              <a:rPr lang="en-US" dirty="0" smtClean="0">
+                <a:latin typeface="Times New Roman" pitchFamily="18" charset="0"/>
+                <a:cs typeface="Times New Roman" pitchFamily="18" charset="0"/>
+              </a:rPr>
+              <a:t>lgoritmo principal com o Quicksort.</a:t>
+            </a:r>
+          </a:p>
+          <a:p>
+            <a:pPr algn="just"/>
+            <a:r>
+              <a:rPr lang="en-US" dirty="0" err="1" smtClean="0">
+                <a:latin typeface="Times New Roman" pitchFamily="18" charset="0"/>
+                <a:cs typeface="Times New Roman" pitchFamily="18" charset="0"/>
+              </a:rPr>
+              <a:t>Resultado</a:t>
+            </a:r>
+            <a:r>
+              <a:rPr lang="en-US" dirty="0" smtClean="0">
+                <a:latin typeface="Times New Roman" pitchFamily="18" charset="0"/>
+                <a:cs typeface="Times New Roman" pitchFamily="18" charset="0"/>
+              </a:rPr>
+              <a:t> da </a:t>
+            </a:r>
+            <a:r>
+              <a:rPr lang="en-US" dirty="0" err="1" smtClean="0">
+                <a:latin typeface="Times New Roman" pitchFamily="18" charset="0"/>
+                <a:cs typeface="Times New Roman" pitchFamily="18" charset="0"/>
+              </a:rPr>
+              <a:t>maior</a:t>
+            </a:r>
+            <a:r>
+              <a:rPr lang="en-US" dirty="0" smtClean="0">
+                <a:latin typeface="Times New Roman" pitchFamily="18" charset="0"/>
+                <a:cs typeface="Times New Roman" pitchFamily="18" charset="0"/>
+              </a:rPr>
+              <a:t> </a:t>
+            </a:r>
+            <a:r>
+              <a:rPr lang="en-US" dirty="0" err="1" smtClean="0">
+                <a:latin typeface="Times New Roman" pitchFamily="18" charset="0"/>
+                <a:cs typeface="Times New Roman" pitchFamily="18" charset="0"/>
+              </a:rPr>
+              <a:t>altura</a:t>
+            </a:r>
+            <a:r>
+              <a:rPr lang="en-US" dirty="0" smtClean="0">
+                <a:latin typeface="Times New Roman" pitchFamily="18" charset="0"/>
+                <a:cs typeface="Times New Roman" pitchFamily="18" charset="0"/>
+              </a:rPr>
+              <a:t> de </a:t>
+            </a:r>
+            <a:r>
+              <a:rPr lang="en-US" dirty="0" err="1" smtClean="0">
+                <a:latin typeface="Times New Roman" pitchFamily="18" charset="0"/>
+                <a:cs typeface="Times New Roman" pitchFamily="18" charset="0"/>
+              </a:rPr>
+              <a:t>rochas</a:t>
+            </a:r>
+            <a:r>
+              <a:rPr lang="en-US" dirty="0" smtClean="0">
+                <a:latin typeface="Times New Roman" pitchFamily="18" charset="0"/>
+                <a:cs typeface="Times New Roman" pitchFamily="18" charset="0"/>
+              </a:rPr>
+              <a:t> </a:t>
+            </a:r>
+            <a:r>
+              <a:rPr lang="en-US" dirty="0" err="1" smtClean="0">
+                <a:latin typeface="Times New Roman" pitchFamily="18" charset="0"/>
+                <a:cs typeface="Times New Roman" pitchFamily="18" charset="0"/>
+              </a:rPr>
+              <a:t>em</a:t>
+            </a:r>
+            <a:r>
+              <a:rPr lang="en-US" dirty="0" smtClean="0">
+                <a:latin typeface="Times New Roman" pitchFamily="18" charset="0"/>
+                <a:cs typeface="Times New Roman" pitchFamily="18" charset="0"/>
+              </a:rPr>
+              <a:t> solo lunar.</a:t>
+            </a:r>
+          </a:p>
+          <a:p>
+            <a:endParaRPr lang="pt-BR" dirty="0">
+              <a:latin typeface="Times New Roman" pitchFamily="18" charset="0"/>
+              <a:cs typeface="Times New Roman" pitchFamily="18" charset="0"/>
+            </a:endParaRPr>
+          </a:p>
+          <a:p>
+            <a:endParaRPr lang="pt-BR" sz="1800" dirty="0">
+              <a:latin typeface="Times New Roman" pitchFamily="18" charset="0"/>
+              <a:cs typeface="Times New Roman" pitchFamily="18" charset="0"/>
+            </a:endParaRPr>
+          </a:p>
+          <a:p>
+            <a:endParaRPr lang="pt-BR" sz="1800" dirty="0">
+              <a:latin typeface="Times New Roman" pitchFamily="18" charset="0"/>
+              <a:cs typeface="Times New Roman" pitchFamily="18" charset="0"/>
+            </a:endParaRPr>
+          </a:p>
+          <a:p>
+            <a:endParaRPr lang="pt-BR" sz="1800" dirty="0">
+              <a:latin typeface="Times New Roman" pitchFamily="18" charset="0"/>
+              <a:cs typeface="Times New Roman" pitchFamily="18" charset="0"/>
+            </a:endParaRPr>
+          </a:p>
+        </p:txBody>
+      </p:sp>
+      <p:sp>
+        <p:nvSpPr>
+          <p:cNvPr id="4" name="Título 1"/>
+          <p:cNvSpPr txBox="1">
+            <a:spLocks/>
+          </p:cNvSpPr>
+          <p:nvPr/>
+        </p:nvSpPr>
+        <p:spPr>
+          <a:xfrm>
+            <a:off x="1296059" y="2772000"/>
+            <a:ext cx="7991640" cy="946800"/>
+          </a:xfrm>
+          <a:prstGeom prst="rect">
+            <a:avLst/>
+          </a:prstGeom>
+          <a:noFill/>
+          <a:ln>
+            <a:noFill/>
+          </a:ln>
+        </p:spPr>
+        <p:txBody>
+          <a:bodyPr lIns="0" tIns="0" rIns="0" bIns="0" anchor="ctr"/>
           <a:lstStyle>
             <a:defPPr lvl="0">
               <a:buSzPct val="45000"/>
               <a:buFont typeface="StarSymbol"/>
               <a:buNone/>
+              <a:defRPr/>
             </a:defPPr>
-            <a:lvl1pPr lvl="0">
+            <a:lvl1pPr lvl="0" algn="ctr" rtl="0" hangingPunct="0">
               <a:buSzPct val="45000"/>
               <a:buFont typeface="StarSymbol"/>
               <a:buChar char="●"/>
+              <a:tabLst/>
+              <a:defRPr lang="pt-BR" sz="3300" b="1" i="0" u="none" strike="noStrike" kern="1200">
+                <a:ln>
+                  <a:noFill/>
+                </a:ln>
+                <a:solidFill>
+                  <a:srgbClr val="45982F"/>
+                </a:solidFill>
+                <a:latin typeface="Arial" pitchFamily="34"/>
+                <a:ea typeface="Microsoft YaHei" pitchFamily="2"/>
+                <a:cs typeface="Mangal" pitchFamily="2"/>
+              </a:defRPr>
             </a:lvl1pPr>
             <a:lvl2pPr lvl="1">
               <a:buSzPct val="45000"/>
               <a:buFont typeface="StarSymbol"/>
               <a:buChar char="●"/>
+              <a:defRPr/>
             </a:lvl2pPr>
             <a:lvl3pPr lvl="2">
               <a:buSzPct val="45000"/>
               <a:buFont typeface="StarSymbol"/>
               <a:buChar char="●"/>
+              <a:defRPr/>
             </a:lvl3pPr>
             <a:lvl4pPr lvl="3">
               <a:buSzPct val="45000"/>
               <a:buFont typeface="StarSymbol"/>
               <a:buChar char="●"/>
+              <a:defRPr/>
             </a:lvl4pPr>
             <a:lvl5pPr lvl="4">
               <a:buSzPct val="45000"/>
               <a:buFont typeface="StarSymbol"/>
               <a:buChar char="●"/>
+              <a:defRPr/>
             </a:lvl5pPr>
             <a:lvl6pPr lvl="5">
               <a:buSzPct val="45000"/>
               <a:buFont typeface="StarSymbol"/>
               <a:buChar char="●"/>
+              <a:defRPr/>
             </a:lvl6pPr>
             <a:lvl7pPr lvl="6">
               <a:buSzPct val="45000"/>
               <a:buFont typeface="StarSymbol"/>
               <a:buChar char="●"/>
+              <a:defRPr/>
             </a:lvl7pPr>
             <a:lvl8pPr lvl="7">
               <a:buSzPct val="45000"/>
               <a:buFont typeface="StarSymbol"/>
               <a:buChar char="●"/>
+              <a:defRPr/>
             </a:lvl8pPr>
             <a:lvl9pPr lvl="8">
               <a:buSzPct val="45000"/>
               <a:buFont typeface="StarSymbol"/>
               <a:buChar char="●"/>
+              <a:defRPr/>
             </a:lvl9pPr>
           </a:lstStyle>
           <a:p>
             <a:pPr>
+              <a:buFont typeface="StarSymbol"/>
               <a:buNone/>
             </a:pPr>
             <a:r>
-              <a:rPr lang="pt-BR" dirty="0" smtClean="0">
-                <a:latin typeface="Times New Roman" pitchFamily="18" charset="0"/>
-                <a:cs typeface="Times New Roman" pitchFamily="18" charset="0"/>
-              </a:rPr>
-              <a:t>Ordenação </a:t>
-            </a:r>
-            <a:r>
-              <a:rPr lang="pt-BR" dirty="0" err="1" smtClean="0">
-                <a:latin typeface="Times New Roman" pitchFamily="18" charset="0"/>
-                <a:cs typeface="Times New Roman" pitchFamily="18" charset="0"/>
-              </a:rPr>
-              <a:t>Counting</a:t>
-            </a:r>
-            <a:r>
-              <a:rPr lang="pt-BR" dirty="0" smtClean="0">
-                <a:latin typeface="Times New Roman" pitchFamily="18" charset="0"/>
-                <a:cs typeface="Times New Roman" pitchFamily="18" charset="0"/>
-              </a:rPr>
-              <a:t> </a:t>
-            </a:r>
-            <a:r>
-              <a:rPr lang="pt-BR" u="sng" dirty="0" err="1" smtClean="0">
-                <a:latin typeface="Times New Roman" pitchFamily="18" charset="0"/>
-                <a:cs typeface="Times New Roman" pitchFamily="18" charset="0"/>
-              </a:rPr>
-              <a:t>Sort</a:t>
-            </a:r>
-            <a:endParaRPr lang="pt-BR" u="sng" dirty="0">
-              <a:latin typeface="Times New Roman" pitchFamily="18" charset="0"/>
-              <a:cs typeface="Times New Roman" pitchFamily="18" charset="0"/>
-            </a:endParaRPr>
-          </a:p>
-        </p:txBody>
-      </p:sp>
-      <p:sp>
-        <p:nvSpPr>
-          <p:cNvPr id="3" name="Espaço Reservado para Texto 2"/>
+              <a:rPr lang="pt-BR" sz="4800" dirty="0" smtClean="0"/>
+              <a:t>Algoritmos</a:t>
+            </a:r>
+            <a:endParaRPr lang="pt-BR" sz="4800" dirty="0"/>
+          </a:p>
+        </p:txBody>
+      </p:sp>
+      <p:sp>
+        <p:nvSpPr>
+          <p:cNvPr id="5" name="Espaço Reservado para Conteúdo 2"/>
           <p:cNvSpPr txBox="1">
-            <a:spLocks noGrp="1"/>
-          </p:cNvSpPr>
-          <p:nvPr>
-            <p:ph type="body" idx="4294967295"/>
-          </p:nvPr>
-        </p:nvSpPr>
-        <p:spPr/>
-        <p:txBody>
-          <a:bodyPr/>
+            <a:spLocks/>
+          </p:cNvSpPr>
+          <p:nvPr/>
+        </p:nvSpPr>
+        <p:spPr>
+          <a:xfrm>
+            <a:off x="4067743" y="3718800"/>
+            <a:ext cx="2448272" cy="1581043"/>
+          </a:xfrm>
+          <a:prstGeom prst="rect">
+            <a:avLst/>
+          </a:prstGeom>
+          <a:noFill/>
+          <a:ln>
+            <a:noFill/>
+          </a:ln>
+        </p:spPr>
+        <p:txBody>
+          <a:bodyPr lIns="0" tIns="0" rIns="0" bIns="0"/>
           <a:lstStyle>
             <a:defPPr marL="432000" marR="0" lvl="0" indent="-324000">
               <a:spcBef>
@@ -4069,7 +5932,7 @@
                 <a:cs typeface="Mangal" pitchFamily="2"/>
               </a:defRPr>
             </a:defPPr>
-            <a:lvl1pPr marL="432000" marR="0" lvl="0" indent="-324000">
+            <a:lvl1pPr marL="432000" marR="0" lvl="0" indent="-324000" rtl="0" hangingPunct="0">
               <a:spcBef>
                 <a:spcPts val="0"/>
               </a:spcBef>
@@ -4079,6 +5942,7 @@
               <a:buSzPct val="45000"/>
               <a:buFont typeface="StarSymbol"/>
               <a:buChar char="●"/>
+              <a:tabLst/>
               <a:defRPr lang="pt-BR" sz="2400" b="0" i="0" u="none" strike="noStrike" kern="1200">
                 <a:ln>
                   <a:noFill/>
@@ -4242,48 +6106,95 @@
             </a:lvl9pPr>
           </a:lstStyle>
           <a:p>
-            <a:pPr marL="0" indent="0"/>
-            <a:endParaRPr lang="pt-BR" sz="1800" dirty="0" smtClean="0">
+            <a:pPr marL="108000" indent="0" algn="ctr">
+              <a:buNone/>
+            </a:pPr>
+            <a:r>
+              <a:rPr lang="pt-BR" sz="2800" dirty="0" err="1" smtClean="0">
+                <a:solidFill>
+                  <a:sysClr val="windowText" lastClr="000000"/>
+                </a:solidFill>
+                <a:latin typeface="Times New Roman" pitchFamily="18" charset="0"/>
+                <a:cs typeface="Times New Roman" pitchFamily="18" charset="0"/>
+              </a:rPr>
+              <a:t>Counting</a:t>
+            </a:r>
+            <a:r>
+              <a:rPr lang="pt-BR" sz="2800" dirty="0" smtClean="0">
+                <a:solidFill>
+                  <a:sysClr val="windowText" lastClr="000000"/>
+                </a:solidFill>
+                <a:latin typeface="Times New Roman" pitchFamily="18" charset="0"/>
+                <a:cs typeface="Times New Roman" pitchFamily="18" charset="0"/>
+              </a:rPr>
+              <a:t> </a:t>
+            </a:r>
+            <a:r>
+              <a:rPr lang="pt-BR" sz="2800" dirty="0" err="1" smtClean="0">
+                <a:solidFill>
+                  <a:sysClr val="windowText" lastClr="000000"/>
+                </a:solidFill>
+                <a:latin typeface="Times New Roman" pitchFamily="18" charset="0"/>
+                <a:cs typeface="Times New Roman" pitchFamily="18" charset="0"/>
+              </a:rPr>
+              <a:t>Sort</a:t>
+            </a:r>
+            <a:endParaRPr lang="pt-BR" sz="2800" dirty="0">
+              <a:solidFill>
+                <a:sysClr val="windowText" lastClr="000000"/>
+              </a:solidFill>
               <a:latin typeface="Times New Roman" pitchFamily="18" charset="0"/>
               <a:cs typeface="Times New Roman" pitchFamily="18" charset="0"/>
             </a:endParaRPr>
           </a:p>
           <a:p>
-            <a:pPr marL="0" indent="0"/>
-            <a:r>
-              <a:rPr lang="pt-BR" sz="1800" dirty="0" smtClean="0">
-                <a:latin typeface="Times New Roman" pitchFamily="18" charset="0"/>
-                <a:cs typeface="Times New Roman" pitchFamily="18" charset="0"/>
-              </a:rPr>
-              <a:t>Nomes: Matheus Rodrigues e Clóvis Kuhn</a:t>
-            </a:r>
-          </a:p>
-          <a:p>
-            <a:pPr marL="0" indent="0"/>
-            <a:r>
-              <a:rPr lang="pt-BR" sz="1800" dirty="0" smtClean="0">
-                <a:latin typeface="Times New Roman" pitchFamily="18" charset="0"/>
-                <a:cs typeface="Times New Roman" pitchFamily="18" charset="0"/>
-              </a:rPr>
-              <a:t>Curso: Engenharia Eletrônica</a:t>
-            </a:r>
-          </a:p>
-          <a:p>
-            <a:pPr marL="0" indent="0"/>
-            <a:endParaRPr lang="pt-BR" dirty="0"/>
+            <a:pPr marL="108000" indent="0" algn="ctr">
+              <a:buNone/>
+            </a:pPr>
+            <a:r>
+              <a:rPr lang="en-US" sz="2800" dirty="0" err="1" smtClean="0">
+                <a:solidFill>
+                  <a:sysClr val="windowText" lastClr="000000"/>
+                </a:solidFill>
+                <a:latin typeface="Times New Roman" pitchFamily="18" charset="0"/>
+                <a:cs typeface="Times New Roman" pitchFamily="18" charset="0"/>
+              </a:rPr>
+              <a:t>QuickSort</a:t>
+            </a:r>
+            <a:endParaRPr lang="pt-BR" sz="2000" dirty="0" smtClean="0">
+              <a:solidFill>
+                <a:sysClr val="windowText" lastClr="000000"/>
+              </a:solidFill>
+              <a:latin typeface="Times New Roman" pitchFamily="18" charset="0"/>
+              <a:cs typeface="Times New Roman" pitchFamily="18" charset="0"/>
+            </a:endParaRPr>
+          </a:p>
+          <a:p>
+            <a:endParaRPr lang="pt-BR" sz="1800" dirty="0">
+              <a:solidFill>
+                <a:sysClr val="windowText" lastClr="000000"/>
+              </a:solidFill>
+              <a:latin typeface="Times New Roman" pitchFamily="18" charset="0"/>
+              <a:cs typeface="Times New Roman" pitchFamily="18" charset="0"/>
+            </a:endParaRPr>
           </a:p>
         </p:txBody>
       </p:sp>
     </p:spTree>
+    <p:extLst>
+      <p:ext uri="{BB962C8B-B14F-4D97-AF65-F5344CB8AC3E}">
+        <p14:creationId xmlns:p14="http://schemas.microsoft.com/office/powerpoint/2010/main" val="1705748186"/>
+      </p:ext>
+    </p:extLst>
   </p:cSld>
   <p:clrMapOvr>
     <a:masterClrMapping/>
   </p:clrMapOvr>
-  <mc:AlternateContent xmlns:mc="http://schemas.openxmlformats.org/markup-compatibility/2006">
-    <mc:Choice xmlns:p14="http://schemas.microsoft.com/office/powerpoint/2010/main" Requires="p14">
+  <mc:AlternateContent xmlns:mc="http://schemas.openxmlformats.org/markup-compatibility/2006" xmlns:p14="http://schemas.microsoft.com/office/powerpoint/2010/main">
+    <mc:Choice Requires="p14">
       <p:transition spd="slow" p14:dur="2000"/>
     </mc:Choice>
-    <mc:Fallback>
+    <mc:Fallback xmlns="">
       <p:transition spd="slow"/>
     </mc:Fallback>
   </mc:AlternateContent>
@@ -4294,150 +6205,6 @@
       </p:par>
     </p:tnLst>
   </p:timing>
-</p:sld>
-</file>
-
-<file path=ppt/slides/slide2.xml><?xml version="1.0" encoding="utf-8"?>
-<p:sld xmlns:a="http://schemas.openxmlformats.org/drawingml/2006/main" xmlns:r="http://schemas.openxmlformats.org/officeDocument/2006/relationships" xmlns:p="http://schemas.openxmlformats.org/presentationml/2006/main">
-  <p:cSld>
-    <p:spTree>
-      <p:nvGrpSpPr>
-        <p:cNvPr id="1" name=""/>
-        <p:cNvGrpSpPr/>
-        <p:nvPr/>
-      </p:nvGrpSpPr>
-      <p:grpSpPr>
-        <a:xfrm>
-          <a:off x="0" y="0"/>
-          <a:ext cx="0" cy="0"/>
-          <a:chOff x="0" y="0"/>
-          <a:chExt cx="0" cy="0"/>
-        </a:xfrm>
-      </p:grpSpPr>
-      <p:sp>
-        <p:nvSpPr>
-          <p:cNvPr id="2" name="Título 1"/>
-          <p:cNvSpPr>
-            <a:spLocks noGrp="1"/>
-          </p:cNvSpPr>
-          <p:nvPr>
-            <p:ph type="title"/>
-          </p:nvPr>
-        </p:nvSpPr>
-        <p:spPr/>
-        <p:txBody>
-          <a:bodyPr/>
-          <a:lstStyle/>
-          <a:p>
-            <a:pPr>
-              <a:buNone/>
-            </a:pPr>
-            <a:r>
-              <a:rPr lang="pt-BR" dirty="0" smtClean="0"/>
-              <a:t>Objetivos</a:t>
-            </a:r>
-            <a:endParaRPr lang="pt-BR" dirty="0"/>
-          </a:p>
-        </p:txBody>
-      </p:sp>
-      <p:sp>
-        <p:nvSpPr>
-          <p:cNvPr id="3" name="Espaço Reservado para Conteúdo 2"/>
-          <p:cNvSpPr>
-            <a:spLocks noGrp="1"/>
-          </p:cNvSpPr>
-          <p:nvPr>
-            <p:ph idx="1"/>
-          </p:nvPr>
-        </p:nvSpPr>
-        <p:spPr/>
-        <p:txBody>
-          <a:bodyPr/>
-          <a:lstStyle/>
-          <a:p>
-            <a:r>
-              <a:rPr lang="pt-BR" sz="1800" dirty="0" err="1" smtClean="0">
-                <a:latin typeface="Times New Roman" pitchFamily="18" charset="0"/>
-                <a:cs typeface="Times New Roman" pitchFamily="18" charset="0"/>
-              </a:rPr>
-              <a:t>Odernação</a:t>
-            </a:r>
-            <a:r>
-              <a:rPr lang="pt-BR" sz="1800" dirty="0" smtClean="0">
-                <a:latin typeface="Times New Roman" pitchFamily="18" charset="0"/>
-                <a:cs typeface="Times New Roman" pitchFamily="18" charset="0"/>
-              </a:rPr>
-              <a:t> de dados</a:t>
-            </a:r>
-          </a:p>
-          <a:p>
-            <a:r>
-              <a:rPr lang="pt-BR" sz="1800" dirty="0" smtClean="0">
-                <a:latin typeface="Times New Roman" pitchFamily="18" charset="0"/>
-                <a:cs typeface="Times New Roman" pitchFamily="18" charset="0"/>
-              </a:rPr>
-              <a:t>Encontrar um arquivo .</a:t>
-            </a:r>
-            <a:r>
-              <a:rPr lang="pt-BR" sz="1800" dirty="0" err="1" smtClean="0">
-                <a:latin typeface="Times New Roman" pitchFamily="18" charset="0"/>
-                <a:cs typeface="Times New Roman" pitchFamily="18" charset="0"/>
-              </a:rPr>
-              <a:t>csv</a:t>
-            </a:r>
-            <a:r>
-              <a:rPr lang="pt-BR" sz="1800" dirty="0">
-                <a:latin typeface="Times New Roman" pitchFamily="18" charset="0"/>
-                <a:cs typeface="Times New Roman" pitchFamily="18" charset="0"/>
-              </a:rPr>
-              <a:t> </a:t>
-            </a:r>
-            <a:r>
-              <a:rPr lang="pt-BR" sz="1800" dirty="0" smtClean="0">
-                <a:latin typeface="Times New Roman" pitchFamily="18" charset="0"/>
-                <a:cs typeface="Times New Roman" pitchFamily="18" charset="0"/>
-              </a:rPr>
-              <a:t>que servirá para ordena</a:t>
-            </a:r>
-          </a:p>
-          <a:p>
-            <a:endParaRPr lang="pt-BR" sz="1800" dirty="0" smtClean="0">
-              <a:latin typeface="Times New Roman" pitchFamily="18" charset="0"/>
-              <a:cs typeface="Times New Roman" pitchFamily="18" charset="0"/>
-            </a:endParaRPr>
-          </a:p>
-          <a:p>
-            <a:endParaRPr lang="pt-BR" sz="1800" dirty="0" smtClean="0">
-              <a:latin typeface="Times New Roman" pitchFamily="18" charset="0"/>
-              <a:cs typeface="Times New Roman" pitchFamily="18" charset="0"/>
-            </a:endParaRPr>
-          </a:p>
-          <a:p>
-            <a:endParaRPr lang="pt-BR" sz="1800" dirty="0">
-              <a:latin typeface="Times New Roman" pitchFamily="18" charset="0"/>
-              <a:cs typeface="Times New Roman" pitchFamily="18" charset="0"/>
-            </a:endParaRPr>
-          </a:p>
-        </p:txBody>
-      </p:sp>
-    </p:spTree>
-    <p:extLst>
-      <p:ext uri="{BB962C8B-B14F-4D97-AF65-F5344CB8AC3E}">
-        <p14:creationId xmlns:p14="http://schemas.microsoft.com/office/powerpoint/2010/main" val="1705748186"/>
-      </p:ext>
-    </p:extLst>
-  </p:cSld>
-  <p:clrMapOvr>
-    <a:masterClrMapping/>
-  </p:clrMapOvr>
-  <mc:AlternateContent xmlns:mc="http://schemas.openxmlformats.org/markup-compatibility/2006">
-    <mc:Choice xmlns:p14="http://schemas.microsoft.com/office/powerpoint/2010/main" Requires="p14">
-      <p:transition spd="slow" p14:dur="2000"/>
-    </mc:Choice>
-    <mc:Fallback>
-      <p:transition spd="slow"/>
-    </mc:Fallback>
-  </mc:AlternateContent>
 </p:sld>
 </file>
 
@@ -4468,7 +6235,12 @@
             <p:ph type="title"/>
           </p:nvPr>
         </p:nvSpPr>
-        <p:spPr/>
+        <p:spPr>
+          <a:xfrm>
+            <a:off x="1440179" y="242987"/>
+            <a:ext cx="7991640" cy="946800"/>
+          </a:xfrm>
+        </p:spPr>
         <p:txBody>
           <a:bodyPr/>
           <a:lstStyle/>
@@ -4477,10 +6249,10 @@
               <a:buNone/>
             </a:pPr>
             <a:r>
-              <a:rPr lang="pt-BR" dirty="0" smtClean="0"/>
-              <a:t>Introdução</a:t>
-            </a:r>
-            <a:endParaRPr lang="pt-BR" dirty="0"/>
+              <a:rPr lang="pt-BR" sz="4800" dirty="0" smtClean="0"/>
+              <a:t>Implementação</a:t>
+            </a:r>
+            <a:endParaRPr lang="pt-BR" sz="4800" dirty="0"/>
           </a:p>
         </p:txBody>
       </p:sp>
@@ -4494,33 +6266,474 @@
             <p:ph idx="1"/>
           </p:nvPr>
         </p:nvSpPr>
-        <p:spPr/>
+        <p:spPr>
+          <a:xfrm>
+            <a:off x="1259587" y="1755155"/>
+            <a:ext cx="8352824" cy="3309235"/>
+          </a:xfrm>
+        </p:spPr>
         <p:txBody>
           <a:bodyPr/>
           <a:lstStyle/>
           <a:p>
             <a:r>
-              <a:rPr lang="pt-BR" sz="1800" dirty="0" smtClean="0">
-                <a:latin typeface="Times New Roman" pitchFamily="18" charset="0"/>
-                <a:cs typeface="Times New Roman" pitchFamily="18" charset="0"/>
-              </a:rPr>
-              <a:t>Considera o vetor de entrada A[1...n]   de inteiros.</a:t>
-            </a:r>
-          </a:p>
-          <a:p>
-            <a:r>
-              <a:rPr lang="pt-BR" sz="1800" dirty="0" smtClean="0">
-                <a:latin typeface="Times New Roman" pitchFamily="18" charset="0"/>
-                <a:cs typeface="Times New Roman" pitchFamily="18" charset="0"/>
-              </a:rPr>
-              <a:t>Podemos ordenar o vetor simplesmente contado, para cada inteiro i no vetor, quantos elementos desse vetor são menores i.</a:t>
-            </a:r>
-          </a:p>
-          <a:p>
-            <a:endParaRPr lang="pt-BR" sz="1800" dirty="0">
-              <a:latin typeface="Times New Roman" pitchFamily="18" charset="0"/>
-              <a:cs typeface="Times New Roman" pitchFamily="18" charset="0"/>
-            </a:endParaRPr>
+              <a:rPr lang="en-US" sz="2000" dirty="0" err="1" smtClean="0">
+                <a:latin typeface="Times New Roman" pitchFamily="18" charset="0"/>
+                <a:cs typeface="Times New Roman" pitchFamily="18" charset="0"/>
+              </a:rPr>
+              <a:t>Escolha</a:t>
+            </a:r>
+            <a:r>
+              <a:rPr lang="en-US" sz="2000" dirty="0" smtClean="0">
+                <a:latin typeface="Times New Roman" pitchFamily="18" charset="0"/>
+                <a:cs typeface="Times New Roman" pitchFamily="18" charset="0"/>
+              </a:rPr>
+              <a:t> de </a:t>
+            </a:r>
+            <a:r>
+              <a:rPr lang="en-US" sz="2000" dirty="0" err="1" smtClean="0">
+                <a:latin typeface="Times New Roman" pitchFamily="18" charset="0"/>
+                <a:cs typeface="Times New Roman" pitchFamily="18" charset="0"/>
+              </a:rPr>
+              <a:t>arquivo</a:t>
+            </a:r>
+            <a:r>
+              <a:rPr lang="en-US" sz="2000" dirty="0" smtClean="0">
+                <a:latin typeface="Times New Roman" pitchFamily="18" charset="0"/>
+                <a:cs typeface="Times New Roman" pitchFamily="18" charset="0"/>
+              </a:rPr>
+              <a:t> .csv com </a:t>
+            </a:r>
+            <a:r>
+              <a:rPr lang="en-US" sz="2000" dirty="0" err="1" smtClean="0">
+                <a:latin typeface="Times New Roman" pitchFamily="18" charset="0"/>
+                <a:cs typeface="Times New Roman" pitchFamily="18" charset="0"/>
+              </a:rPr>
+              <a:t>números</a:t>
+            </a:r>
+            <a:r>
+              <a:rPr lang="en-US" sz="2000" dirty="0" smtClean="0">
+                <a:latin typeface="Times New Roman" pitchFamily="18" charset="0"/>
+                <a:cs typeface="Times New Roman" pitchFamily="18" charset="0"/>
+              </a:rPr>
+              <a:t> </a:t>
+            </a:r>
+            <a:r>
+              <a:rPr lang="en-US" sz="2000" dirty="0" err="1" smtClean="0">
+                <a:latin typeface="Times New Roman" pitchFamily="18" charset="0"/>
+                <a:cs typeface="Times New Roman" pitchFamily="18" charset="0"/>
+              </a:rPr>
+              <a:t>inteiros</a:t>
+            </a:r>
+            <a:r>
+              <a:rPr lang="en-US" sz="2000" dirty="0" smtClean="0">
+                <a:latin typeface="Times New Roman" pitchFamily="18" charset="0"/>
+                <a:cs typeface="Times New Roman" pitchFamily="18" charset="0"/>
+              </a:rPr>
+              <a:t> e/</a:t>
+            </a:r>
+            <a:r>
+              <a:rPr lang="en-US" sz="2000" dirty="0" err="1" smtClean="0">
+                <a:latin typeface="Times New Roman" pitchFamily="18" charset="0"/>
+                <a:cs typeface="Times New Roman" pitchFamily="18" charset="0"/>
+              </a:rPr>
+              <a:t>ou</a:t>
+            </a:r>
+            <a:r>
+              <a:rPr lang="en-US" sz="2000" dirty="0" smtClean="0">
+                <a:latin typeface="Times New Roman" pitchFamily="18" charset="0"/>
+                <a:cs typeface="Times New Roman" pitchFamily="18" charset="0"/>
+              </a:rPr>
+              <a:t> </a:t>
+            </a:r>
+            <a:r>
+              <a:rPr lang="en-US" sz="2000" dirty="0" err="1" smtClean="0">
+                <a:latin typeface="Times New Roman" pitchFamily="18" charset="0"/>
+                <a:cs typeface="Times New Roman" pitchFamily="18" charset="0"/>
+              </a:rPr>
+              <a:t>reais</a:t>
+            </a:r>
+            <a:r>
+              <a:rPr lang="en-US" sz="2000" dirty="0" smtClean="0">
+                <a:latin typeface="Times New Roman" pitchFamily="18" charset="0"/>
+                <a:cs typeface="Times New Roman" pitchFamily="18" charset="0"/>
+              </a:rPr>
+              <a:t> </a:t>
+            </a:r>
+            <a:r>
+              <a:rPr lang="en-US" sz="2000" dirty="0" err="1" smtClean="0">
+                <a:latin typeface="Times New Roman" pitchFamily="18" charset="0"/>
+                <a:cs typeface="Times New Roman" pitchFamily="18" charset="0"/>
+              </a:rPr>
+              <a:t>não</a:t>
+            </a:r>
+            <a:r>
+              <a:rPr lang="en-US" sz="2000" dirty="0" smtClean="0">
+                <a:latin typeface="Times New Roman" pitchFamily="18" charset="0"/>
+                <a:cs typeface="Times New Roman" pitchFamily="18" charset="0"/>
+              </a:rPr>
+              <a:t> </a:t>
+            </a:r>
+            <a:r>
+              <a:rPr lang="en-US" sz="2000" dirty="0" err="1" smtClean="0">
+                <a:latin typeface="Times New Roman" pitchFamily="18" charset="0"/>
+                <a:cs typeface="Times New Roman" pitchFamily="18" charset="0"/>
+              </a:rPr>
+              <a:t>negativos</a:t>
+            </a:r>
+            <a:r>
+              <a:rPr lang="en-US" sz="2000" dirty="0" smtClean="0">
+                <a:latin typeface="Times New Roman" pitchFamily="18" charset="0"/>
+                <a:cs typeface="Times New Roman" pitchFamily="18" charset="0"/>
+              </a:rPr>
+              <a:t>;</a:t>
+            </a:r>
+          </a:p>
+          <a:p>
+            <a:r>
+              <a:rPr lang="en-US" sz="2000" dirty="0" err="1" smtClean="0">
+                <a:latin typeface="Times New Roman" pitchFamily="18" charset="0"/>
+                <a:cs typeface="Times New Roman" pitchFamily="18" charset="0"/>
+              </a:rPr>
+              <a:t>Implementação</a:t>
+            </a:r>
+            <a:r>
+              <a:rPr lang="en-US" sz="2000" dirty="0" smtClean="0">
+                <a:latin typeface="Times New Roman" pitchFamily="18" charset="0"/>
+                <a:cs typeface="Times New Roman" pitchFamily="18" charset="0"/>
+              </a:rPr>
+              <a:t> da </a:t>
+            </a:r>
+            <a:r>
+              <a:rPr lang="en-US" sz="2000" dirty="0" err="1" smtClean="0">
+                <a:latin typeface="Times New Roman" pitchFamily="18" charset="0"/>
+                <a:cs typeface="Times New Roman" pitchFamily="18" charset="0"/>
+              </a:rPr>
+              <a:t>estrutura</a:t>
+            </a:r>
+            <a:r>
+              <a:rPr lang="en-US" sz="2000" dirty="0" smtClean="0">
+                <a:latin typeface="Times New Roman" pitchFamily="18" charset="0"/>
+                <a:cs typeface="Times New Roman" pitchFamily="18" charset="0"/>
+              </a:rPr>
+              <a:t> </a:t>
+            </a:r>
+            <a:r>
+              <a:rPr lang="en-US" sz="2000" dirty="0" err="1" smtClean="0">
+                <a:latin typeface="Times New Roman" pitchFamily="18" charset="0"/>
+                <a:cs typeface="Times New Roman" pitchFamily="18" charset="0"/>
+              </a:rPr>
+              <a:t>básica</a:t>
+            </a:r>
+            <a:r>
+              <a:rPr lang="en-US" sz="2000" dirty="0" smtClean="0">
+                <a:latin typeface="Times New Roman" pitchFamily="18" charset="0"/>
+                <a:cs typeface="Times New Roman" pitchFamily="18" charset="0"/>
+              </a:rPr>
+              <a:t> do </a:t>
+            </a:r>
+            <a:r>
+              <a:rPr lang="en-US" sz="2000" dirty="0" err="1" smtClean="0">
+                <a:latin typeface="Times New Roman" pitchFamily="18" charset="0"/>
+                <a:cs typeface="Times New Roman" pitchFamily="18" charset="0"/>
+              </a:rPr>
+              <a:t>vetor</a:t>
+            </a:r>
+            <a:r>
+              <a:rPr lang="en-US" sz="2000" dirty="0" smtClean="0">
+                <a:latin typeface="Times New Roman" pitchFamily="18" charset="0"/>
+                <a:cs typeface="Times New Roman" pitchFamily="18" charset="0"/>
+              </a:rPr>
+              <a:t> de </a:t>
+            </a:r>
+            <a:r>
+              <a:rPr lang="en-US" sz="2000" dirty="0" err="1" smtClean="0">
+                <a:latin typeface="Times New Roman" pitchFamily="18" charset="0"/>
+                <a:cs typeface="Times New Roman" pitchFamily="18" charset="0"/>
+              </a:rPr>
+              <a:t>ponteiros</a:t>
+            </a:r>
+            <a:r>
+              <a:rPr lang="en-US" sz="2000" dirty="0" smtClean="0">
+                <a:latin typeface="Times New Roman" pitchFamily="18" charset="0"/>
+                <a:cs typeface="Times New Roman" pitchFamily="18" charset="0"/>
+              </a:rPr>
+              <a:t> para </a:t>
+            </a:r>
+            <a:r>
+              <a:rPr lang="en-US" sz="2000" dirty="0" err="1" smtClean="0">
+                <a:latin typeface="Times New Roman" pitchFamily="18" charset="0"/>
+                <a:cs typeface="Times New Roman" pitchFamily="18" charset="0"/>
+              </a:rPr>
+              <a:t>leitura</a:t>
+            </a:r>
+            <a:r>
+              <a:rPr lang="en-US" sz="2000" dirty="0" smtClean="0">
+                <a:latin typeface="Times New Roman" pitchFamily="18" charset="0"/>
+                <a:cs typeface="Times New Roman" pitchFamily="18" charset="0"/>
+              </a:rPr>
+              <a:t> e </a:t>
+            </a:r>
+            <a:r>
+              <a:rPr lang="en-US" sz="2000" dirty="0" err="1" smtClean="0">
+                <a:latin typeface="Times New Roman" pitchFamily="18" charset="0"/>
+                <a:cs typeface="Times New Roman" pitchFamily="18" charset="0"/>
+              </a:rPr>
+              <a:t>alocação</a:t>
+            </a:r>
+            <a:r>
+              <a:rPr lang="en-US" sz="2000" dirty="0" smtClean="0">
+                <a:latin typeface="Times New Roman" pitchFamily="18" charset="0"/>
+                <a:cs typeface="Times New Roman" pitchFamily="18" charset="0"/>
+              </a:rPr>
+              <a:t> </a:t>
+            </a:r>
+            <a:r>
+              <a:rPr lang="en-US" sz="2000" dirty="0" err="1" smtClean="0">
+                <a:latin typeface="Times New Roman" pitchFamily="18" charset="0"/>
+                <a:cs typeface="Times New Roman" pitchFamily="18" charset="0"/>
+              </a:rPr>
+              <a:t>dinâmica</a:t>
+            </a:r>
+            <a:r>
+              <a:rPr lang="en-US" sz="2000" dirty="0" smtClean="0">
+                <a:latin typeface="Times New Roman" pitchFamily="18" charset="0"/>
+                <a:cs typeface="Times New Roman" pitchFamily="18" charset="0"/>
+              </a:rPr>
+              <a:t> dos dados;</a:t>
+            </a:r>
+          </a:p>
+          <a:p>
+            <a:r>
+              <a:rPr lang="en-US" sz="2000" dirty="0" err="1" smtClean="0">
+                <a:latin typeface="Times New Roman" pitchFamily="18" charset="0"/>
+                <a:cs typeface="Times New Roman" pitchFamily="18" charset="0"/>
+              </a:rPr>
+              <a:t>Determinar</a:t>
+            </a:r>
+            <a:r>
+              <a:rPr lang="en-US" sz="2000" dirty="0" smtClean="0">
+                <a:latin typeface="Times New Roman" pitchFamily="18" charset="0"/>
+                <a:cs typeface="Times New Roman" pitchFamily="18" charset="0"/>
+              </a:rPr>
+              <a:t> </a:t>
+            </a:r>
+            <a:r>
+              <a:rPr lang="en-US" sz="2000" dirty="0" err="1" smtClean="0">
+                <a:latin typeface="Times New Roman" pitchFamily="18" charset="0"/>
+                <a:cs typeface="Times New Roman" pitchFamily="18" charset="0"/>
+              </a:rPr>
+              <a:t>uma</a:t>
+            </a:r>
+            <a:r>
+              <a:rPr lang="en-US" sz="2000" dirty="0" smtClean="0">
+                <a:latin typeface="Times New Roman" pitchFamily="18" charset="0"/>
+                <a:cs typeface="Times New Roman" pitchFamily="18" charset="0"/>
+              </a:rPr>
+              <a:t> </a:t>
+            </a:r>
+            <a:r>
+              <a:rPr lang="en-US" sz="2000" dirty="0" err="1" smtClean="0">
+                <a:latin typeface="Times New Roman" pitchFamily="18" charset="0"/>
+                <a:cs typeface="Times New Roman" pitchFamily="18" charset="0"/>
+              </a:rPr>
+              <a:t>variável</a:t>
+            </a:r>
+            <a:r>
+              <a:rPr lang="en-US" sz="2000" dirty="0" smtClean="0">
+                <a:latin typeface="Times New Roman" pitchFamily="18" charset="0"/>
+                <a:cs typeface="Times New Roman" pitchFamily="18" charset="0"/>
+              </a:rPr>
+              <a:t> de </a:t>
+            </a:r>
+            <a:r>
+              <a:rPr lang="en-US" sz="2000" dirty="0" err="1" smtClean="0">
+                <a:latin typeface="Times New Roman" pitchFamily="18" charset="0"/>
+                <a:cs typeface="Times New Roman" pitchFamily="18" charset="0"/>
+              </a:rPr>
+              <a:t>ordenação</a:t>
+            </a:r>
+            <a:r>
+              <a:rPr lang="en-US" sz="2000" dirty="0" smtClean="0">
+                <a:latin typeface="Times New Roman" pitchFamily="18" charset="0"/>
+                <a:cs typeface="Times New Roman" pitchFamily="18" charset="0"/>
+              </a:rPr>
+              <a:t> que </a:t>
+            </a:r>
+            <a:r>
+              <a:rPr lang="en-US" sz="2000" dirty="0" err="1" smtClean="0">
+                <a:latin typeface="Times New Roman" pitchFamily="18" charset="0"/>
+                <a:cs typeface="Times New Roman" pitchFamily="18" charset="0"/>
+              </a:rPr>
+              <a:t>apresentasse</a:t>
+            </a:r>
+            <a:r>
+              <a:rPr lang="en-US" sz="2000" dirty="0" smtClean="0">
+                <a:latin typeface="Times New Roman" pitchFamily="18" charset="0"/>
+                <a:cs typeface="Times New Roman" pitchFamily="18" charset="0"/>
+              </a:rPr>
+              <a:t> </a:t>
+            </a:r>
+            <a:r>
+              <a:rPr lang="en-US" sz="2000" dirty="0" err="1" smtClean="0">
+                <a:latin typeface="Times New Roman" pitchFamily="18" charset="0"/>
+                <a:cs typeface="Times New Roman" pitchFamily="18" charset="0"/>
+              </a:rPr>
+              <a:t>resultados</a:t>
+            </a:r>
+            <a:r>
+              <a:rPr lang="en-US" sz="2000" dirty="0" smtClean="0">
+                <a:latin typeface="Times New Roman" pitchFamily="18" charset="0"/>
+                <a:cs typeface="Times New Roman" pitchFamily="18" charset="0"/>
+              </a:rPr>
+              <a:t> </a:t>
+            </a:r>
+            <a:r>
+              <a:rPr lang="en-US" sz="2000" dirty="0" err="1" smtClean="0">
+                <a:latin typeface="Times New Roman" pitchFamily="18" charset="0"/>
+                <a:cs typeface="Times New Roman" pitchFamily="18" charset="0"/>
+              </a:rPr>
+              <a:t>úteis</a:t>
+            </a:r>
+            <a:r>
+              <a:rPr lang="en-US" sz="2000" dirty="0" smtClean="0">
+                <a:latin typeface="Times New Roman" pitchFamily="18" charset="0"/>
+                <a:cs typeface="Times New Roman" pitchFamily="18" charset="0"/>
+              </a:rPr>
+              <a:t>;</a:t>
+            </a:r>
+          </a:p>
+          <a:p>
+            <a:r>
+              <a:rPr lang="en-US" sz="2000" dirty="0" err="1" smtClean="0">
+                <a:latin typeface="Times New Roman" pitchFamily="18" charset="0"/>
+                <a:cs typeface="Times New Roman" pitchFamily="18" charset="0"/>
+              </a:rPr>
+              <a:t>Análise</a:t>
+            </a:r>
+            <a:r>
+              <a:rPr lang="en-US" sz="2000" dirty="0" smtClean="0">
+                <a:latin typeface="Times New Roman" pitchFamily="18" charset="0"/>
+                <a:cs typeface="Times New Roman" pitchFamily="18" charset="0"/>
+              </a:rPr>
+              <a:t> </a:t>
+            </a:r>
+            <a:r>
+              <a:rPr lang="en-US" sz="2000" dirty="0" err="1" smtClean="0">
+                <a:latin typeface="Times New Roman" pitchFamily="18" charset="0"/>
+                <a:cs typeface="Times New Roman" pitchFamily="18" charset="0"/>
+              </a:rPr>
+              <a:t>teórica</a:t>
+            </a:r>
+            <a:r>
+              <a:rPr lang="en-US" sz="2000" dirty="0" smtClean="0">
+                <a:latin typeface="Times New Roman" pitchFamily="18" charset="0"/>
+                <a:cs typeface="Times New Roman" pitchFamily="18" charset="0"/>
+              </a:rPr>
+              <a:t> do algoritmo pela </a:t>
+            </a:r>
+            <a:r>
+              <a:rPr lang="en-US" sz="2000" dirty="0" err="1" smtClean="0">
+                <a:latin typeface="Times New Roman" pitchFamily="18" charset="0"/>
+                <a:cs typeface="Times New Roman" pitchFamily="18" charset="0"/>
+              </a:rPr>
+              <a:t>literatura</a:t>
+            </a:r>
+            <a:r>
+              <a:rPr lang="en-US" sz="2000" dirty="0" smtClean="0">
+                <a:latin typeface="Times New Roman" pitchFamily="18" charset="0"/>
+                <a:cs typeface="Times New Roman" pitchFamily="18" charset="0"/>
+              </a:rPr>
+              <a:t>;</a:t>
+            </a:r>
+          </a:p>
+          <a:p>
+            <a:r>
+              <a:rPr lang="en-US" sz="2000" dirty="0" err="1" smtClean="0">
+                <a:latin typeface="Times New Roman" pitchFamily="18" charset="0"/>
+                <a:cs typeface="Times New Roman" pitchFamily="18" charset="0"/>
+              </a:rPr>
+              <a:t>Implementação</a:t>
+            </a:r>
+            <a:r>
+              <a:rPr lang="en-US" sz="2000" dirty="0" smtClean="0">
+                <a:latin typeface="Times New Roman" pitchFamily="18" charset="0"/>
+                <a:cs typeface="Times New Roman" pitchFamily="18" charset="0"/>
+              </a:rPr>
+              <a:t> do Quicksort para </a:t>
+            </a:r>
+            <a:r>
+              <a:rPr lang="en-US" sz="2000" dirty="0" err="1" smtClean="0">
+                <a:latin typeface="Times New Roman" pitchFamily="18" charset="0"/>
+                <a:cs typeface="Times New Roman" pitchFamily="18" charset="0"/>
+              </a:rPr>
+              <a:t>comparação</a:t>
+            </a:r>
+            <a:r>
+              <a:rPr lang="en-US" sz="2000" dirty="0" smtClean="0">
+                <a:latin typeface="Times New Roman" pitchFamily="18" charset="0"/>
+                <a:cs typeface="Times New Roman" pitchFamily="18" charset="0"/>
+              </a:rPr>
+              <a:t>:</a:t>
+            </a:r>
+          </a:p>
+          <a:p>
+            <a:r>
+              <a:rPr lang="en-US" sz="2000" dirty="0" err="1" smtClean="0">
+                <a:latin typeface="Times New Roman" pitchFamily="18" charset="0"/>
+                <a:cs typeface="Times New Roman" pitchFamily="18" charset="0"/>
+              </a:rPr>
+              <a:t>Implementação</a:t>
+            </a:r>
+            <a:r>
+              <a:rPr lang="en-US" sz="2000" dirty="0" smtClean="0">
+                <a:latin typeface="Times New Roman" pitchFamily="18" charset="0"/>
+                <a:cs typeface="Times New Roman" pitchFamily="18" charset="0"/>
+              </a:rPr>
+              <a:t> do Counting Sort </a:t>
+            </a:r>
+            <a:r>
+              <a:rPr lang="en-US" sz="2000" dirty="0" err="1" smtClean="0">
+                <a:latin typeface="Times New Roman" pitchFamily="18" charset="0"/>
+                <a:cs typeface="Times New Roman" pitchFamily="18" charset="0"/>
+              </a:rPr>
+              <a:t>como</a:t>
+            </a:r>
+            <a:r>
+              <a:rPr lang="en-US" sz="2000" dirty="0" smtClean="0">
+                <a:latin typeface="Times New Roman" pitchFamily="18" charset="0"/>
+                <a:cs typeface="Times New Roman" pitchFamily="18" charset="0"/>
+              </a:rPr>
+              <a:t> </a:t>
+            </a:r>
+            <a:r>
+              <a:rPr lang="en-US" sz="2000" dirty="0" err="1" smtClean="0">
+                <a:latin typeface="Times New Roman" pitchFamily="18" charset="0"/>
+                <a:cs typeface="Times New Roman" pitchFamily="18" charset="0"/>
+              </a:rPr>
+              <a:t>objetivo</a:t>
+            </a:r>
+            <a:r>
+              <a:rPr lang="en-US" sz="2000" dirty="0" smtClean="0">
+                <a:latin typeface="Times New Roman" pitchFamily="18" charset="0"/>
+                <a:cs typeface="Times New Roman" pitchFamily="18" charset="0"/>
+              </a:rPr>
+              <a:t> principal de </a:t>
+            </a:r>
+            <a:r>
+              <a:rPr lang="en-US" sz="2000" dirty="0" err="1" smtClean="0">
+                <a:latin typeface="Times New Roman" pitchFamily="18" charset="0"/>
+                <a:cs typeface="Times New Roman" pitchFamily="18" charset="0"/>
+              </a:rPr>
+              <a:t>ordenação</a:t>
+            </a:r>
+            <a:r>
+              <a:rPr lang="en-US" sz="2000" dirty="0" smtClean="0">
+                <a:latin typeface="Times New Roman" pitchFamily="18" charset="0"/>
+                <a:cs typeface="Times New Roman" pitchFamily="18" charset="0"/>
+              </a:rPr>
+              <a:t>;</a:t>
+            </a:r>
           </a:p>
         </p:txBody>
       </p:sp>
@@ -4534,14 +6747,21 @@
   <p:clrMapOvr>
     <a:masterClrMapping/>
   </p:clrMapOvr>
-  <mc:AlternateContent xmlns:mc="http://schemas.openxmlformats.org/markup-compatibility/2006">
-    <mc:Choice xmlns:p14="http://schemas.microsoft.com/office/powerpoint/2010/main" Requires="p14">
+  <mc:AlternateContent xmlns:mc="http://schemas.openxmlformats.org/markup-compatibility/2006" xmlns:p14="http://schemas.microsoft.com/office/powerpoint/2010/main">
+    <mc:Choice Requires="p14">
       <p:transition spd="slow" p14:dur="2000"/>
     </mc:Choice>
-    <mc:Fallback>
+    <mc:Fallback xmlns="">
       <p:transition spd="slow"/>
     </mc:Fallback>
   </mc:AlternateContent>
+  <p:timing>
+    <p:tnLst>
+      <p:par>
+        <p:cTn id="1" dur="indefinite" restart="never" nodeType="tmRoot"/>
+      </p:par>
+    </p:tnLst>
+  </p:timing>
 </p:sld>
 </file>
 
@@ -4574,8 +6794,8 @@
         </p:nvSpPr>
         <p:spPr>
           <a:xfrm>
-            <a:off x="1295896" y="242987"/>
-            <a:ext cx="7991640" cy="946800"/>
+            <a:off x="3213318" y="124278"/>
+            <a:ext cx="4392488" cy="946801"/>
           </a:xfrm>
         </p:spPr>
         <p:txBody>
@@ -4586,89 +6806,721 @@
               <a:buNone/>
             </a:pPr>
             <a:r>
-              <a:rPr lang="pt-BR" dirty="0" err="1" smtClean="0"/>
+              <a:rPr lang="pt-BR" sz="4800" dirty="0" err="1" smtClean="0"/>
               <a:t>Counting</a:t>
             </a:r>
             <a:r>
-              <a:rPr lang="pt-BR" dirty="0" smtClean="0"/>
+              <a:rPr lang="pt-BR" sz="4800" dirty="0" smtClean="0"/>
               <a:t> </a:t>
             </a:r>
             <a:r>
-              <a:rPr lang="pt-BR" dirty="0" err="1" smtClean="0"/>
+              <a:rPr lang="pt-BR" sz="4800" dirty="0" err="1" smtClean="0"/>
               <a:t>Sort</a:t>
             </a:r>
-            <a:r>
-              <a:rPr lang="pt-BR" dirty="0" smtClean="0"/>
-              <a:t>(Complexidade)</a:t>
-            </a:r>
-            <a:endParaRPr lang="pt-BR" dirty="0"/>
-          </a:p>
-        </p:txBody>
-      </p:sp>
-      <p:sp>
-        <p:nvSpPr>
-          <p:cNvPr id="3" name="Espaço Reservado para Conteúdo 2"/>
-          <p:cNvSpPr>
-            <a:spLocks noGrp="1"/>
-          </p:cNvSpPr>
-          <p:nvPr>
-            <p:ph idx="1"/>
-          </p:nvPr>
-        </p:nvSpPr>
-        <p:spPr/>
-        <p:txBody>
-          <a:bodyPr/>
+            <a:endParaRPr lang="pt-BR" sz="4800" dirty="0"/>
+          </a:p>
+        </p:txBody>
+      </p:sp>
+      <p:pic>
+        <p:nvPicPr>
+          <p:cNvPr id="8" name="Imagem 7"/>
+          <p:cNvPicPr>
+            <a:picLocks noChangeAspect="1"/>
+          </p:cNvPicPr>
+          <p:nvPr/>
+        </p:nvPicPr>
+        <p:blipFill>
+          <a:blip r:embed="rId2"/>
+          <a:stretch>
+            <a:fillRect/>
+          </a:stretch>
+        </p:blipFill>
+        <p:spPr>
+          <a:xfrm>
+            <a:off x="2228941" y="1611139"/>
+            <a:ext cx="6414116" cy="1008112"/>
+          </a:xfrm>
+          <a:prstGeom prst="rect">
+            <a:avLst/>
+          </a:prstGeom>
+        </p:spPr>
+      </p:pic>
+      <p:pic>
+        <p:nvPicPr>
+          <p:cNvPr id="9" name="Imagem 8"/>
+          <p:cNvPicPr>
+            <a:picLocks noChangeAspect="1"/>
+          </p:cNvPicPr>
+          <p:nvPr/>
+        </p:nvPicPr>
+        <p:blipFill>
+          <a:blip r:embed="rId3"/>
+          <a:stretch>
+            <a:fillRect/>
+          </a:stretch>
+        </p:blipFill>
+        <p:spPr>
+          <a:xfrm>
+            <a:off x="2410133" y="3699371"/>
+            <a:ext cx="6051731" cy="931036"/>
+          </a:xfrm>
+          <a:prstGeom prst="rect">
+            <a:avLst/>
+          </a:prstGeom>
+        </p:spPr>
+      </p:pic>
+      <p:sp>
+        <p:nvSpPr>
+          <p:cNvPr id="10" name="Elipse 9"/>
+          <p:cNvSpPr/>
+          <p:nvPr/>
+        </p:nvSpPr>
+        <p:spPr>
+          <a:xfrm>
+            <a:off x="7632600" y="1765852"/>
+            <a:ext cx="936104" cy="864096"/>
+          </a:xfrm>
+          <a:prstGeom prst="ellipse">
+            <a:avLst/>
+          </a:prstGeom>
+          <a:noFill/>
+          <a:ln w="76200" cap="flat" cmpd="sng" algn="ctr">
+            <a:solidFill>
+              <a:schemeClr val="accent2"/>
+            </a:solidFill>
+            <a:prstDash val="solid"/>
+            <a:round/>
+            <a:headEnd type="none" w="med" len="med"/>
+            <a:tailEnd type="none" w="med" len="med"/>
+          </a:ln>
+        </p:spPr>
+        <p:style>
+          <a:lnRef idx="0">
+            <a:scrgbClr r="0" g="0" b="0"/>
+          </a:lnRef>
+          <a:fillRef idx="0">
+            <a:scrgbClr r="0" g="0" b="0"/>
+          </a:fillRef>
+          <a:effectRef idx="0">
+            <a:scrgbClr r="0" g="0" b="0"/>
+          </a:effectRef>
+          <a:fontRef idx="minor">
+            <a:schemeClr val="accent2"/>
+          </a:fontRef>
+        </p:style>
+        <p:txBody>
+          <a:bodyPr rtlCol="0" anchor="ctr"/>
           <a:lstStyle/>
           <a:p>
-            <a:pPr marL="108000" indent="0">
-              <a:buNone/>
-            </a:pPr>
-            <a:endParaRPr lang="pt-BR" dirty="0" smtClean="0"/>
-          </a:p>
-          <a:p>
-            <a:pPr marL="108000" indent="0">
-              <a:buNone/>
-            </a:pPr>
-            <a:r>
-              <a:rPr lang="pt-BR" sz="1800" dirty="0" smtClean="0">
-                <a:latin typeface="Times New Roman" pitchFamily="18" charset="0"/>
-                <a:cs typeface="Times New Roman" pitchFamily="18" charset="0"/>
-              </a:rPr>
-              <a:t>A sua complexidade é O(n + K), Quando K </a:t>
-            </a:r>
-            <a:r>
-              <a:rPr lang="pt-BR" sz="1800" dirty="0"/>
-              <a:t>∈ </a:t>
-            </a:r>
-            <a:r>
-              <a:rPr lang="pt-BR" sz="1800" dirty="0" smtClean="0"/>
-              <a:t>O(n), ele tem complexidade O(n).</a:t>
-            </a:r>
-            <a:endParaRPr lang="pt-BR" sz="1800" dirty="0">
-              <a:latin typeface="Times New Roman" pitchFamily="18" charset="0"/>
-              <a:cs typeface="Times New Roman" pitchFamily="18" charset="0"/>
+            <a:pPr algn="ctr"/>
+            <a:endParaRPr lang="pt-BR">
+              <a:ln>
+                <a:solidFill>
+                  <a:schemeClr val="accent2"/>
+                </a:solidFill>
+              </a:ln>
+              <a:noFill/>
+              <a:effectLst>
+                <a:glow rad="228600">
+                  <a:schemeClr val="accent2">
+                    <a:satMod val="175000"/>
+                    <a:alpha val="40000"/>
+                  </a:schemeClr>
+                </a:glow>
+              </a:effectLst>
             </a:endParaRPr>
           </a:p>
         </p:txBody>
       </p:sp>
+      <p:pic>
+        <p:nvPicPr>
+          <p:cNvPr id="12" name="Imagem 11"/>
+          <p:cNvPicPr>
+            <a:picLocks noChangeAspect="1"/>
+          </p:cNvPicPr>
+          <p:nvPr/>
+        </p:nvPicPr>
+        <p:blipFill>
+          <a:blip r:embed="rId4"/>
+          <a:stretch>
+            <a:fillRect/>
+          </a:stretch>
+        </p:blipFill>
+        <p:spPr>
+          <a:xfrm>
+            <a:off x="2410133" y="3341375"/>
+            <a:ext cx="1008112" cy="366587"/>
+          </a:xfrm>
+          <a:prstGeom prst="rect">
+            <a:avLst/>
+          </a:prstGeom>
+        </p:spPr>
+      </p:pic>
     </p:spTree>
     <p:extLst>
       <p:ext uri="{BB962C8B-B14F-4D97-AF65-F5344CB8AC3E}">
-        <p14:creationId xmlns:p14="http://schemas.microsoft.com/office/powerpoint/2010/main" val="2177571075"/>
+        <p14:creationId xmlns:p14="http://schemas.microsoft.com/office/powerpoint/2010/main" val="2234954815"/>
       </p:ext>
     </p:extLst>
   </p:cSld>
   <p:clrMapOvr>
     <a:masterClrMapping/>
   </p:clrMapOvr>
-  <mc:AlternateContent xmlns:mc="http://schemas.openxmlformats.org/markup-compatibility/2006">
-    <mc:Choice xmlns:p14="http://schemas.microsoft.com/office/powerpoint/2010/main" Requires="p14">
+  <mc:AlternateContent xmlns:mc="http://schemas.openxmlformats.org/markup-compatibility/2006" xmlns:p14="http://schemas.microsoft.com/office/powerpoint/2010/main">
+    <mc:Choice Requires="p14">
       <p:transition spd="slow" p14:dur="2000"/>
     </mc:Choice>
-    <mc:Fallback>
+    <mc:Fallback xmlns="">
       <p:transition spd="slow"/>
     </mc:Fallback>
   </mc:AlternateContent>
+  <p:timing>
+    <p:tnLst>
+      <p:par>
+        <p:cTn id="1" dur="indefinite" restart="never" nodeType="tmRoot"/>
+      </p:par>
+    </p:tnLst>
+  </p:timing>
+</p:sld>
+</file>
+
+<file path=ppt/slides/slide5.xml><?xml version="1.0" encoding="utf-8"?>
+<p:sld xmlns:a="http://schemas.openxmlformats.org/drawingml/2006/main" xmlns:r="http://schemas.openxmlformats.org/officeDocument/2006/relationships" xmlns:p="http://schemas.openxmlformats.org/presentationml/2006/main">
+  <p:cSld>
+    <p:spTree>
+      <p:nvGrpSpPr>
+        <p:cNvPr id="1" name=""/>
+        <p:cNvGrpSpPr/>
+        <p:nvPr/>
+      </p:nvGrpSpPr>
+      <p:grpSpPr>
+        <a:xfrm>
+          <a:off x="0" y="0"/>
+          <a:ext cx="0" cy="0"/>
+          <a:chOff x="0" y="0"/>
+          <a:chExt cx="0" cy="0"/>
+        </a:xfrm>
+      </p:grpSpPr>
+      <p:sp>
+        <p:nvSpPr>
+          <p:cNvPr id="2" name="Título 1"/>
+          <p:cNvSpPr>
+            <a:spLocks noGrp="1"/>
+          </p:cNvSpPr>
+          <p:nvPr>
+            <p:ph type="title"/>
+          </p:nvPr>
+        </p:nvSpPr>
+        <p:spPr>
+          <a:xfrm>
+            <a:off x="1326782" y="170979"/>
+            <a:ext cx="7991640" cy="946801"/>
+          </a:xfrm>
+        </p:spPr>
+        <p:txBody>
+          <a:bodyPr/>
+          <a:lstStyle/>
+          <a:p>
+            <a:pPr>
+              <a:buNone/>
+            </a:pPr>
+            <a:r>
+              <a:rPr lang="pt-BR" sz="4800" dirty="0" err="1" smtClean="0"/>
+              <a:t>Counting</a:t>
+            </a:r>
+            <a:r>
+              <a:rPr lang="pt-BR" sz="4800" dirty="0" smtClean="0"/>
+              <a:t> </a:t>
+            </a:r>
+            <a:r>
+              <a:rPr lang="pt-BR" sz="4800" dirty="0" err="1" smtClean="0"/>
+              <a:t>Sort</a:t>
+            </a:r>
+            <a:endParaRPr lang="pt-BR" sz="4800" dirty="0"/>
+          </a:p>
+        </p:txBody>
+      </p:sp>
+      <p:pic>
+        <p:nvPicPr>
+          <p:cNvPr id="3" name="Imagem 2"/>
+          <p:cNvPicPr>
+            <a:picLocks noChangeAspect="1"/>
+          </p:cNvPicPr>
+          <p:nvPr/>
+        </p:nvPicPr>
+        <p:blipFill>
+          <a:blip r:embed="rId2"/>
+          <a:stretch>
+            <a:fillRect/>
+          </a:stretch>
+        </p:blipFill>
+        <p:spPr>
+          <a:xfrm>
+            <a:off x="1871960" y="1467123"/>
+            <a:ext cx="7251703" cy="3168352"/>
+          </a:xfrm>
+          <a:prstGeom prst="rect">
+            <a:avLst/>
+          </a:prstGeom>
+        </p:spPr>
+      </p:pic>
+    </p:spTree>
+    <p:extLst>
+      <p:ext uri="{BB962C8B-B14F-4D97-AF65-F5344CB8AC3E}">
+        <p14:creationId xmlns:p14="http://schemas.microsoft.com/office/powerpoint/2010/main" val="3824994192"/>
+      </p:ext>
+    </p:extLst>
+  </p:cSld>
+  <p:clrMapOvr>
+    <a:masterClrMapping/>
+  </p:clrMapOvr>
+  <mc:AlternateContent xmlns:mc="http://schemas.openxmlformats.org/markup-compatibility/2006" xmlns:p14="http://schemas.microsoft.com/office/powerpoint/2010/main">
+    <mc:Choice Requires="p14">
+      <p:transition spd="slow" p14:dur="2000"/>
+    </mc:Choice>
+    <mc:Fallback xmlns="">
+      <p:transition spd="slow"/>
+    </mc:Fallback>
+  </mc:AlternateContent>
+  <p:timing>
+    <p:tnLst>
+      <p:par>
+        <p:cTn id="1" dur="indefinite" restart="never" nodeType="tmRoot"/>
+      </p:par>
+    </p:tnLst>
+  </p:timing>
+</p:sld>
+</file>
+
+<file path=ppt/slides/slide6.xml><?xml version="1.0" encoding="utf-8"?>
+<p:sld xmlns:a="http://schemas.openxmlformats.org/drawingml/2006/main" xmlns:r="http://schemas.openxmlformats.org/officeDocument/2006/relationships" xmlns:p="http://schemas.openxmlformats.org/presentationml/2006/main">
+  <p:cSld>
+    <p:spTree>
+      <p:nvGrpSpPr>
+        <p:cNvPr id="1" name=""/>
+        <p:cNvGrpSpPr/>
+        <p:nvPr/>
+      </p:nvGrpSpPr>
+      <p:grpSpPr>
+        <a:xfrm>
+          <a:off x="0" y="0"/>
+          <a:ext cx="0" cy="0"/>
+          <a:chOff x="0" y="0"/>
+          <a:chExt cx="0" cy="0"/>
+        </a:xfrm>
+      </p:grpSpPr>
+      <p:sp>
+        <p:nvSpPr>
+          <p:cNvPr id="2" name="Título 1"/>
+          <p:cNvSpPr>
+            <a:spLocks noGrp="1"/>
+          </p:cNvSpPr>
+          <p:nvPr>
+            <p:ph type="title"/>
+          </p:nvPr>
+        </p:nvSpPr>
+        <p:spPr>
+          <a:xfrm>
+            <a:off x="1326782" y="170979"/>
+            <a:ext cx="7991640" cy="946801"/>
+          </a:xfrm>
+        </p:spPr>
+        <p:txBody>
+          <a:bodyPr/>
+          <a:lstStyle/>
+          <a:p>
+            <a:pPr>
+              <a:buNone/>
+            </a:pPr>
+            <a:r>
+              <a:rPr lang="pt-BR" sz="4800" dirty="0" err="1" smtClean="0"/>
+              <a:t>Counting</a:t>
+            </a:r>
+            <a:r>
+              <a:rPr lang="pt-BR" sz="4800" dirty="0" smtClean="0"/>
+              <a:t> </a:t>
+            </a:r>
+            <a:r>
+              <a:rPr lang="pt-BR" sz="4800" dirty="0" err="1" smtClean="0"/>
+              <a:t>Sort</a:t>
+            </a:r>
+            <a:endParaRPr lang="pt-BR" sz="4800" dirty="0"/>
+          </a:p>
+        </p:txBody>
+      </p:sp>
+      <p:pic>
+        <p:nvPicPr>
+          <p:cNvPr id="4" name="Imagem 3"/>
+          <p:cNvPicPr>
+            <a:picLocks noChangeAspect="1"/>
+          </p:cNvPicPr>
+          <p:nvPr/>
+        </p:nvPicPr>
+        <p:blipFill>
+          <a:blip r:embed="rId2"/>
+          <a:stretch>
+            <a:fillRect/>
+          </a:stretch>
+        </p:blipFill>
+        <p:spPr>
+          <a:xfrm>
+            <a:off x="1799952" y="1539131"/>
+            <a:ext cx="7310064" cy="3096344"/>
+          </a:xfrm>
+          <a:prstGeom prst="rect">
+            <a:avLst/>
+          </a:prstGeom>
+        </p:spPr>
+      </p:pic>
+    </p:spTree>
+    <p:extLst>
+      <p:ext uri="{BB962C8B-B14F-4D97-AF65-F5344CB8AC3E}">
+        <p14:creationId xmlns:p14="http://schemas.microsoft.com/office/powerpoint/2010/main" val="1888126980"/>
+      </p:ext>
+    </p:extLst>
+  </p:cSld>
+  <p:clrMapOvr>
+    <a:masterClrMapping/>
+  </p:clrMapOvr>
+  <mc:AlternateContent xmlns:mc="http://schemas.openxmlformats.org/markup-compatibility/2006" xmlns:p14="http://schemas.microsoft.com/office/powerpoint/2010/main">
+    <mc:Choice Requires="p14">
+      <p:transition spd="slow" p14:dur="2000"/>
+    </mc:Choice>
+    <mc:Fallback xmlns="">
+      <p:transition spd="slow"/>
+    </mc:Fallback>
+  </mc:AlternateContent>
+  <p:timing>
+    <p:tnLst>
+      <p:par>
+        <p:cTn id="1" dur="indefinite" restart="never" nodeType="tmRoot"/>
+      </p:par>
+    </p:tnLst>
+  </p:timing>
+</p:sld>
+</file>
+
+<file path=ppt/slides/slide7.xml><?xml version="1.0" encoding="utf-8"?>
+<p:sld xmlns:a="http://schemas.openxmlformats.org/drawingml/2006/main" xmlns:r="http://schemas.openxmlformats.org/officeDocument/2006/relationships" xmlns:p="http://schemas.openxmlformats.org/presentationml/2006/main">
+  <p:cSld>
+    <p:spTree>
+      <p:nvGrpSpPr>
+        <p:cNvPr id="1" name=""/>
+        <p:cNvGrpSpPr/>
+        <p:nvPr/>
+      </p:nvGrpSpPr>
+      <p:grpSpPr>
+        <a:xfrm>
+          <a:off x="0" y="0"/>
+          <a:ext cx="0" cy="0"/>
+          <a:chOff x="0" y="0"/>
+          <a:chExt cx="0" cy="0"/>
+        </a:xfrm>
+      </p:grpSpPr>
+      <p:sp>
+        <p:nvSpPr>
+          <p:cNvPr id="2" name="Título 1"/>
+          <p:cNvSpPr>
+            <a:spLocks noGrp="1"/>
+          </p:cNvSpPr>
+          <p:nvPr>
+            <p:ph type="title"/>
+          </p:nvPr>
+        </p:nvSpPr>
+        <p:spPr>
+          <a:xfrm>
+            <a:off x="1326782" y="170979"/>
+            <a:ext cx="7991640" cy="946801"/>
+          </a:xfrm>
+        </p:spPr>
+        <p:txBody>
+          <a:bodyPr/>
+          <a:lstStyle/>
+          <a:p>
+            <a:pPr>
+              <a:buNone/>
+            </a:pPr>
+            <a:r>
+              <a:rPr lang="pt-BR" sz="4800" dirty="0" err="1" smtClean="0"/>
+              <a:t>Counting</a:t>
+            </a:r>
+            <a:r>
+              <a:rPr lang="pt-BR" sz="4800" dirty="0" smtClean="0"/>
+              <a:t> </a:t>
+            </a:r>
+            <a:r>
+              <a:rPr lang="pt-BR" sz="4800" dirty="0" err="1" smtClean="0"/>
+              <a:t>Sort</a:t>
+            </a:r>
+            <a:endParaRPr lang="pt-BR" sz="4800" dirty="0"/>
+          </a:p>
+        </p:txBody>
+      </p:sp>
+      <p:pic>
+        <p:nvPicPr>
+          <p:cNvPr id="3" name="Imagem 2"/>
+          <p:cNvPicPr>
+            <a:picLocks noChangeAspect="1"/>
+          </p:cNvPicPr>
+          <p:nvPr/>
+        </p:nvPicPr>
+        <p:blipFill>
+          <a:blip r:embed="rId2"/>
+          <a:stretch>
+            <a:fillRect/>
+          </a:stretch>
+        </p:blipFill>
+        <p:spPr>
+          <a:xfrm>
+            <a:off x="1727944" y="1539131"/>
+            <a:ext cx="7326194" cy="3024336"/>
+          </a:xfrm>
+          <a:prstGeom prst="rect">
+            <a:avLst/>
+          </a:prstGeom>
+        </p:spPr>
+      </p:pic>
+    </p:spTree>
+    <p:extLst>
+      <p:ext uri="{BB962C8B-B14F-4D97-AF65-F5344CB8AC3E}">
+        <p14:creationId xmlns:p14="http://schemas.microsoft.com/office/powerpoint/2010/main" val="771527687"/>
+      </p:ext>
+    </p:extLst>
+  </p:cSld>
+  <p:clrMapOvr>
+    <a:masterClrMapping/>
+  </p:clrMapOvr>
+  <mc:AlternateContent xmlns:mc="http://schemas.openxmlformats.org/markup-compatibility/2006" xmlns:p14="http://schemas.microsoft.com/office/powerpoint/2010/main">
+    <mc:Choice Requires="p14">
+      <p:transition spd="slow" p14:dur="2000"/>
+    </mc:Choice>
+    <mc:Fallback xmlns="">
+      <p:transition spd="slow"/>
+    </mc:Fallback>
+  </mc:AlternateContent>
+  <p:timing>
+    <p:tnLst>
+      <p:par>
+        <p:cTn id="1" dur="indefinite" restart="never" nodeType="tmRoot"/>
+      </p:par>
+    </p:tnLst>
+  </p:timing>
+</p:sld>
+</file>
+
+<file path=ppt/slides/slide8.xml><?xml version="1.0" encoding="utf-8"?>
+<p:sld xmlns:a="http://schemas.openxmlformats.org/drawingml/2006/main" xmlns:r="http://schemas.openxmlformats.org/officeDocument/2006/relationships" xmlns:p="http://schemas.openxmlformats.org/presentationml/2006/main">
+  <p:cSld>
+    <p:spTree>
+      <p:nvGrpSpPr>
+        <p:cNvPr id="1" name=""/>
+        <p:cNvGrpSpPr/>
+        <p:nvPr/>
+      </p:nvGrpSpPr>
+      <p:grpSpPr>
+        <a:xfrm>
+          <a:off x="0" y="0"/>
+          <a:ext cx="0" cy="0"/>
+          <a:chOff x="0" y="0"/>
+          <a:chExt cx="0" cy="0"/>
+        </a:xfrm>
+      </p:grpSpPr>
+      <p:sp>
+        <p:nvSpPr>
+          <p:cNvPr id="2" name="Título 1"/>
+          <p:cNvSpPr>
+            <a:spLocks noGrp="1"/>
+          </p:cNvSpPr>
+          <p:nvPr>
+            <p:ph type="title"/>
+          </p:nvPr>
+        </p:nvSpPr>
+        <p:spPr>
+          <a:xfrm>
+            <a:off x="1326782" y="170979"/>
+            <a:ext cx="7991640" cy="946801"/>
+          </a:xfrm>
+        </p:spPr>
+        <p:txBody>
+          <a:bodyPr/>
+          <a:lstStyle/>
+          <a:p>
+            <a:pPr>
+              <a:buNone/>
+            </a:pPr>
+            <a:r>
+              <a:rPr lang="pt-BR" sz="4800" dirty="0" err="1" smtClean="0"/>
+              <a:t>Counting</a:t>
+            </a:r>
+            <a:r>
+              <a:rPr lang="pt-BR" sz="4800" dirty="0" smtClean="0"/>
+              <a:t> </a:t>
+            </a:r>
+            <a:r>
+              <a:rPr lang="pt-BR" sz="4800" dirty="0" err="1" smtClean="0"/>
+              <a:t>Sort</a:t>
+            </a:r>
+            <a:endParaRPr lang="pt-BR" sz="4800" dirty="0"/>
+          </a:p>
+        </p:txBody>
+      </p:sp>
+      <p:pic>
+        <p:nvPicPr>
+          <p:cNvPr id="4" name="Imagem 3"/>
+          <p:cNvPicPr>
+            <a:picLocks noChangeAspect="1"/>
+          </p:cNvPicPr>
+          <p:nvPr/>
+        </p:nvPicPr>
+        <p:blipFill>
+          <a:blip r:embed="rId2"/>
+          <a:stretch>
+            <a:fillRect/>
+          </a:stretch>
+        </p:blipFill>
+        <p:spPr>
+          <a:xfrm>
+            <a:off x="1831543" y="1323107"/>
+            <a:ext cx="7025193" cy="3181465"/>
+          </a:xfrm>
+          <a:prstGeom prst="rect">
+            <a:avLst/>
+          </a:prstGeom>
+        </p:spPr>
+      </p:pic>
+    </p:spTree>
+    <p:extLst>
+      <p:ext uri="{BB962C8B-B14F-4D97-AF65-F5344CB8AC3E}">
+        <p14:creationId xmlns:p14="http://schemas.microsoft.com/office/powerpoint/2010/main" val="3797639770"/>
+      </p:ext>
+    </p:extLst>
+  </p:cSld>
+  <p:clrMapOvr>
+    <a:masterClrMapping/>
+  </p:clrMapOvr>
+  <mc:AlternateContent xmlns:mc="http://schemas.openxmlformats.org/markup-compatibility/2006" xmlns:p14="http://schemas.microsoft.com/office/powerpoint/2010/main">
+    <mc:Choice Requires="p14">
+      <p:transition spd="slow" p14:dur="2000"/>
+    </mc:Choice>
+    <mc:Fallback xmlns="">
+      <p:transition spd="slow"/>
+    </mc:Fallback>
+  </mc:AlternateContent>
+  <p:timing>
+    <p:tnLst>
+      <p:par>
+        <p:cTn id="1" dur="indefinite" restart="never" nodeType="tmRoot"/>
+      </p:par>
+    </p:tnLst>
+  </p:timing>
+</p:sld>
+</file>
+
+<file path=ppt/slides/slide9.xml><?xml version="1.0" encoding="utf-8"?>
+<p:sld xmlns:a="http://schemas.openxmlformats.org/drawingml/2006/main" xmlns:r="http://schemas.openxmlformats.org/officeDocument/2006/relationships" xmlns:p="http://schemas.openxmlformats.org/presentationml/2006/main">
+  <p:cSld>
+    <p:spTree>
+      <p:nvGrpSpPr>
+        <p:cNvPr id="1" name=""/>
+        <p:cNvGrpSpPr/>
+        <p:nvPr/>
+      </p:nvGrpSpPr>
+      <p:grpSpPr>
+        <a:xfrm>
+          <a:off x="0" y="0"/>
+          <a:ext cx="0" cy="0"/>
+          <a:chOff x="0" y="0"/>
+          <a:chExt cx="0" cy="0"/>
+        </a:xfrm>
+      </p:grpSpPr>
+      <p:sp>
+        <p:nvSpPr>
+          <p:cNvPr id="2" name="Título 1"/>
+          <p:cNvSpPr>
+            <a:spLocks noGrp="1"/>
+          </p:cNvSpPr>
+          <p:nvPr>
+            <p:ph type="title"/>
+          </p:nvPr>
+        </p:nvSpPr>
+        <p:spPr>
+          <a:xfrm>
+            <a:off x="1326782" y="170979"/>
+            <a:ext cx="7991640" cy="946801"/>
+          </a:xfrm>
+        </p:spPr>
+        <p:txBody>
+          <a:bodyPr/>
+          <a:lstStyle/>
+          <a:p>
+            <a:pPr>
+              <a:buNone/>
+            </a:pPr>
+            <a:r>
+              <a:rPr lang="pt-BR" sz="4800" dirty="0" err="1" smtClean="0"/>
+              <a:t>Counting</a:t>
+            </a:r>
+            <a:r>
+              <a:rPr lang="pt-BR" sz="4800" dirty="0" smtClean="0"/>
+              <a:t> </a:t>
+            </a:r>
+            <a:r>
+              <a:rPr lang="pt-BR" sz="4800" dirty="0" err="1" smtClean="0"/>
+              <a:t>Sort</a:t>
+            </a:r>
+            <a:endParaRPr lang="pt-BR" sz="4800" dirty="0"/>
+          </a:p>
+        </p:txBody>
+      </p:sp>
+      <p:pic>
+        <p:nvPicPr>
+          <p:cNvPr id="3" name="Imagem 2"/>
+          <p:cNvPicPr>
+            <a:picLocks noChangeAspect="1"/>
+          </p:cNvPicPr>
+          <p:nvPr/>
+        </p:nvPicPr>
+        <p:blipFill>
+          <a:blip r:embed="rId2"/>
+          <a:stretch>
+            <a:fillRect/>
+          </a:stretch>
+        </p:blipFill>
+        <p:spPr>
+          <a:xfrm>
+            <a:off x="2129711" y="1611139"/>
+            <a:ext cx="6385781" cy="2703559"/>
+          </a:xfrm>
+          <a:prstGeom prst="rect">
+            <a:avLst/>
+          </a:prstGeom>
+        </p:spPr>
+      </p:pic>
+    </p:spTree>
+    <p:extLst>
+      <p:ext uri="{BB962C8B-B14F-4D97-AF65-F5344CB8AC3E}">
+        <p14:creationId xmlns:p14="http://schemas.microsoft.com/office/powerpoint/2010/main" val="2288723882"/>
+      </p:ext>
+    </p:extLst>
+  </p:cSld>
+  <p:clrMapOvr>
+    <a:masterClrMapping/>
+  </p:clrMapOvr>
+  <mc:AlternateContent xmlns:mc="http://schemas.openxmlformats.org/markup-compatibility/2006" xmlns:p14="http://schemas.microsoft.com/office/powerpoint/2010/main">
+    <mc:Choice Requires="p14">
+      <p:transition spd="slow" p14:dur="2000"/>
+    </mc:Choice>
+    <mc:Fallback xmlns="">
+      <p:transition spd="slow"/>
+    </mc:Fallback>
+  </mc:AlternateContent>
+  <p:timing>
+    <p:tnLst>
+      <p:par>
+        <p:cTn id="1" dur="indefinite" restart="never" nodeType="tmRoot"/>
+      </p:par>
+    </p:tnLst>
+  </p:timing>
 </p:sld>
 </file>
 
